--- a/extensions/icdm2016/doc-Experiments/ICDM2016-DRAFT.pptx
+++ b/extensions/icdm2016/doc-Experiments/ICDM2016-DRAFT.pptx
@@ -166,7 +166,7 @@
                 <c:formatCode>General</c:formatCode>
                 <c:ptCount val="63"/>
                 <c:pt idx="0">
-                  <c:v>7694.21171272814</c:v>
+                  <c:v>7694.211712728139</c:v>
                 </c:pt>
                 <c:pt idx="1">
                   <c:v>7828.55519804247</c:v>
@@ -193,7 +193,7 @@
                   <c:v>6857.93660953426</c:v>
                 </c:pt>
                 <c:pt idx="9">
-                  <c:v>7002.7463913285</c:v>
+                  <c:v>7002.746391328499</c:v>
                 </c:pt>
                 <c:pt idx="10">
                   <c:v>6839.51986471658</c:v>
@@ -214,16 +214,16 @@
                   <c:v>5824.8384385476</c:v>
                 </c:pt>
                 <c:pt idx="16">
-                  <c:v>5560.37533513424</c:v>
+                  <c:v>5560.375335134239</c:v>
                 </c:pt>
                 <c:pt idx="17">
-                  <c:v>5903.9899468281</c:v>
+                  <c:v>5903.989946828099</c:v>
                 </c:pt>
                 <c:pt idx="18">
                   <c:v>6058.25454505332</c:v>
                 </c:pt>
                 <c:pt idx="19">
-                  <c:v>6261.28805328017</c:v>
+                  <c:v>6261.288053280169</c:v>
                 </c:pt>
                 <c:pt idx="20">
                   <c:v>6594.86620421412</c:v>
@@ -244,7 +244,7 @@
                   <c:v>6225.57711357396</c:v>
                 </c:pt>
                 <c:pt idx="26">
-                  <c:v>6093.47841071248</c:v>
+                  <c:v>6093.478410712479</c:v>
                 </c:pt>
                 <c:pt idx="27">
                   <c:v>6270.54961710211</c:v>
@@ -253,7 +253,7 @@
                   <c:v>6423.52863394221</c:v>
                 </c:pt>
                 <c:pt idx="29">
-                  <c:v>6787.17335275431</c:v>
+                  <c:v>6787.173352754309</c:v>
                 </c:pt>
                 <c:pt idx="30">
                   <c:v>7210.88754596436</c:v>
@@ -265,7 +265,7 @@
                   <c:v>7513.98561803452</c:v>
                 </c:pt>
                 <c:pt idx="33">
-                  <c:v>7132.91941213626</c:v>
+                  <c:v>7132.919412136259</c:v>
                 </c:pt>
                 <c:pt idx="34">
                   <c:v>6663.56093104635</c:v>
@@ -280,16 +280,16 @@
                   <c:v>6694.36739455941</c:v>
                 </c:pt>
                 <c:pt idx="38">
-                  <c:v>6740.92039735835</c:v>
+                  <c:v>6740.920397358349</c:v>
                 </c:pt>
                 <c:pt idx="39">
                   <c:v>7196.10663719397</c:v>
                 </c:pt>
                 <c:pt idx="40">
-                  <c:v>7301.6630473385</c:v>
+                  <c:v>7301.663047338499</c:v>
                 </c:pt>
                 <c:pt idx="41">
-                  <c:v>7405.44074767126</c:v>
+                  <c:v>7405.440747671259</c:v>
                 </c:pt>
                 <c:pt idx="42">
                   <c:v>7162.11024270825</c:v>
@@ -307,16 +307,16 @@
                   <c:v>6706.87790375759</c:v>
                 </c:pt>
                 <c:pt idx="47">
-                  <c:v>7334.54933734216</c:v>
+                  <c:v>7334.549337342159</c:v>
                 </c:pt>
                 <c:pt idx="48">
-                  <c:v>7531.8943808341</c:v>
+                  <c:v>7531.894380834099</c:v>
                 </c:pt>
                 <c:pt idx="49">
                   <c:v>7476.59209485852</c:v>
                 </c:pt>
                 <c:pt idx="50">
-                  <c:v>7462.57739260835</c:v>
+                  <c:v>7462.577392608348</c:v>
                 </c:pt>
                 <c:pt idx="51">
                   <c:v>6661.53681191694</c:v>
@@ -325,7 +325,7 @@
                   <c:v>6586.99486057685</c:v>
                 </c:pt>
                 <c:pt idx="53">
-                  <c:v>6945.7789788785</c:v>
+                  <c:v>6945.778978878499</c:v>
                 </c:pt>
                 <c:pt idx="54">
                   <c:v>7273.13163668445</c:v>
@@ -349,10 +349,10 @@
                   <c:v>7540.37932172583</c:v>
                 </c:pt>
                 <c:pt idx="61">
-                  <c:v>7843.41774695486</c:v>
+                  <c:v>7843.417746954859</c:v>
                 </c:pt>
                 <c:pt idx="62">
-                  <c:v>8402.556977908251</c:v>
+                  <c:v>8402.556977908249</c:v>
                 </c:pt>
               </c:numCache>
             </c:numRef>
@@ -369,8 +369,8 @@
         </c:dLbls>
         <c:marker val="1"/>
         <c:smooth val="0"/>
-        <c:axId val="-2125051544"/>
-        <c:axId val="-2104796904"/>
+        <c:axId val="2071433768"/>
+        <c:axId val="2110358792"/>
       </c:lineChart>
       <c:lineChart>
         <c:grouping val="standard"/>
@@ -423,13 +423,13 @@
                   <c:v>615.524153498871</c:v>
                 </c:pt>
                 <c:pt idx="8">
-                  <c:v>995.817998423954</c:v>
+                  <c:v>995.8179984239538</c:v>
                 </c:pt>
                 <c:pt idx="9">
                   <c:v>691.1967691208</c:v>
                 </c:pt>
                 <c:pt idx="10">
-                  <c:v>618.622829194883</c:v>
+                  <c:v>618.6228291948828</c:v>
                 </c:pt>
                 <c:pt idx="11">
                   <c:v>696.548212867354</c:v>
@@ -441,10 +441,10 @@
                   <c:v>448.412924126172</c:v>
                 </c:pt>
                 <c:pt idx="14">
-                  <c:v>363.648738007379</c:v>
+                  <c:v>363.6487380073789</c:v>
                 </c:pt>
                 <c:pt idx="15">
-                  <c:v>421.723466440102</c:v>
+                  <c:v>421.7234664401019</c:v>
                 </c:pt>
                 <c:pt idx="16">
                   <c:v>385.747689429373</c:v>
@@ -486,16 +486,16 @@
                   <c:v>595.863328631875</c:v>
                 </c:pt>
                 <c:pt idx="29">
-                  <c:v>288.463004975124</c:v>
+                  <c:v>288.4630049751239</c:v>
                 </c:pt>
                 <c:pt idx="30">
                   <c:v>696.364572230013</c:v>
                 </c:pt>
                 <c:pt idx="31">
-                  <c:v>485.278344459278</c:v>
+                  <c:v>485.2783444592779</c:v>
                 </c:pt>
                 <c:pt idx="32">
-                  <c:v>505.261182147164</c:v>
+                  <c:v>505.2611821471639</c:v>
                 </c:pt>
                 <c:pt idx="33">
                   <c:v>188.061082737487</c:v>
@@ -516,7 +516,7 @@
                   <c:v>270.802439537329</c:v>
                 </c:pt>
                 <c:pt idx="39">
-                  <c:v>474.702508038585</c:v>
+                  <c:v>474.7025080385849</c:v>
                 </c:pt>
                 <c:pt idx="40">
                   <c:v>427.212123212321</c:v>
@@ -525,10 +525,10 @@
                   <c:v>344.956689520078</c:v>
                 </c:pt>
                 <c:pt idx="42">
-                  <c:v>528.452587412587</c:v>
+                  <c:v>528.4525874125869</c:v>
                 </c:pt>
                 <c:pt idx="43">
-                  <c:v>347.836450704225</c:v>
+                  <c:v>347.8364507042249</c:v>
                 </c:pt>
                 <c:pt idx="44">
                   <c:v>250.205870556061</c:v>
@@ -546,7 +546,7 @@
                   <c:v>279.472345013477</c:v>
                 </c:pt>
                 <c:pt idx="49">
-                  <c:v>292.875350701402</c:v>
+                  <c:v>292.8753507014019</c:v>
                 </c:pt>
                 <c:pt idx="50">
                   <c:v>352.193922746781</c:v>
@@ -555,7 +555,7 @@
                   <c:v>281.519317585301</c:v>
                 </c:pt>
                 <c:pt idx="52">
-                  <c:v>300.988563968668</c:v>
+                  <c:v>300.9885639686679</c:v>
                 </c:pt>
                 <c:pt idx="53">
                   <c:v>285.51876701361</c:v>
@@ -570,7 +570,7 @@
                   <c:v>178.525648224607</c:v>
                 </c:pt>
                 <c:pt idx="57">
-                  <c:v>143.143641069887</c:v>
+                  <c:v>143.1436410698869</c:v>
                 </c:pt>
                 <c:pt idx="58">
                   <c:v>323.652774070543</c:v>
@@ -602,11 +602,11 @@
         </c:dLbls>
         <c:marker val="1"/>
         <c:smooth val="0"/>
-        <c:axId val="-2104982088"/>
-        <c:axId val="-2124952984"/>
+        <c:axId val="2110367672"/>
+        <c:axId val="2110361720"/>
       </c:lineChart>
       <c:catAx>
-        <c:axId val="-2125051544"/>
+        <c:axId val="2071433768"/>
         <c:scaling>
           <c:orientation val="minMax"/>
         </c:scaling>
@@ -615,7 +615,7 @@
         <c:majorTickMark val="out"/>
         <c:minorTickMark val="none"/>
         <c:tickLblPos val="nextTo"/>
-        <c:crossAx val="-2104796904"/>
+        <c:crossAx val="2110358792"/>
         <c:crosses val="autoZero"/>
         <c:auto val="1"/>
         <c:lblAlgn val="ctr"/>
@@ -623,7 +623,7 @@
         <c:noMultiLvlLbl val="0"/>
       </c:catAx>
       <c:valAx>
-        <c:axId val="-2104796904"/>
+        <c:axId val="2110358792"/>
         <c:scaling>
           <c:orientation val="minMax"/>
         </c:scaling>
@@ -634,12 +634,12 @@
         <c:majorTickMark val="out"/>
         <c:minorTickMark val="none"/>
         <c:tickLblPos val="nextTo"/>
-        <c:crossAx val="-2125051544"/>
+        <c:crossAx val="2071433768"/>
         <c:crosses val="autoZero"/>
         <c:crossBetween val="between"/>
       </c:valAx>
       <c:valAx>
-        <c:axId val="-2124952984"/>
+        <c:axId val="2110361720"/>
         <c:scaling>
           <c:orientation val="minMax"/>
         </c:scaling>
@@ -649,12 +649,12 @@
         <c:majorTickMark val="out"/>
         <c:minorTickMark val="none"/>
         <c:tickLblPos val="nextTo"/>
-        <c:crossAx val="-2104982088"/>
+        <c:crossAx val="2110367672"/>
         <c:crosses val="max"/>
         <c:crossBetween val="between"/>
       </c:valAx>
       <c:catAx>
-        <c:axId val="-2104982088"/>
+        <c:axId val="2110367672"/>
         <c:scaling>
           <c:orientation val="minMax"/>
         </c:scaling>
@@ -663,7 +663,7 @@
         <c:majorTickMark val="out"/>
         <c:minorTickMark val="none"/>
         <c:tickLblPos val="nextTo"/>
-        <c:crossAx val="-2124952984"/>
+        <c:crossAx val="2110361720"/>
         <c:crosses val="autoZero"/>
         <c:auto val="1"/>
         <c:lblAlgn val="ctr"/>
@@ -787,10 +787,10 @@
                   <c:v>36137.1363525835</c:v>
                 </c:pt>
                 <c:pt idx="19">
-                  <c:v>36542.5653028972</c:v>
+                  <c:v>36542.56530289719</c:v>
                 </c:pt>
                 <c:pt idx="20">
-                  <c:v>37439.334440753</c:v>
+                  <c:v>37439.33444075299</c:v>
                 </c:pt>
                 <c:pt idx="21">
                   <c:v>38920.5084697509</c:v>
@@ -802,7 +802,7 @@
                   <c:v>40502.86</c:v>
                 </c:pt>
                 <c:pt idx="24">
-                  <c:v>60627.6625625625</c:v>
+                  <c:v>60627.66256256249</c:v>
                 </c:pt>
                 <c:pt idx="25">
                   <c:v>75342.397462888</c:v>
@@ -844,7 +844,7 @@
                   <c:v>45088.7330513595</c:v>
                 </c:pt>
                 <c:pt idx="38">
-                  <c:v>45125.9273817034</c:v>
+                  <c:v>45125.92738170339</c:v>
                 </c:pt>
                 <c:pt idx="39">
                   <c:v>49425.0135476955</c:v>
@@ -862,7 +862,7 @@
                   <c:v>58882.6521502347</c:v>
                 </c:pt>
                 <c:pt idx="44">
-                  <c:v>70416.47731996349</c:v>
+                  <c:v>70416.47731996348</c:v>
                 </c:pt>
                 <c:pt idx="45">
                   <c:v>68854.6239610963</c:v>
@@ -886,7 +886,7 @@
                   <c:v>63507.9401224847</c:v>
                 </c:pt>
                 <c:pt idx="52">
-                  <c:v>65158.2229416884</c:v>
+                  <c:v>65158.22294168839</c:v>
                 </c:pt>
                 <c:pt idx="53">
                   <c:v>65651.0020176141</c:v>
@@ -901,7 +901,7 @@
                   <c:v>68639.6241948802</c:v>
                 </c:pt>
                 <c:pt idx="57">
-                  <c:v>77052.4442968076</c:v>
+                  <c:v>77052.44429680759</c:v>
                 </c:pt>
                 <c:pt idx="58">
                   <c:v>86551.0006863679</c:v>
@@ -1046,13 +1046,13 @@
                   <c:v>42512.7350423021</c:v>
                 </c:pt>
                 <c:pt idx="33">
-                  <c:v>42937.7493829677</c:v>
+                  <c:v>42937.74938296769</c:v>
                 </c:pt>
                 <c:pt idx="34">
-                  <c:v>44146.8217009375</c:v>
+                  <c:v>44146.82170093749</c:v>
                 </c:pt>
                 <c:pt idx="35">
-                  <c:v>45186.2957863292</c:v>
+                  <c:v>45186.29578632919</c:v>
                 </c:pt>
                 <c:pt idx="36">
                   <c:v>46190.1487072346</c:v>
@@ -1067,7 +1067,7 @@
                   <c:v>45840.6667170541</c:v>
                 </c:pt>
                 <c:pt idx="40">
-                  <c:v>45721.6319295432</c:v>
+                  <c:v>45721.63192954319</c:v>
                 </c:pt>
                 <c:pt idx="41">
                   <c:v>45382.066291069</c:v>
@@ -1100,13 +1100,13 @@
                   <c:v>51829.8375195501</c:v>
                 </c:pt>
                 <c:pt idx="51">
-                  <c:v>52907.4378475016</c:v>
+                  <c:v>52907.43784750159</c:v>
                 </c:pt>
                 <c:pt idx="52">
                   <c:v>53919.6113271756</c:v>
                 </c:pt>
                 <c:pt idx="53">
-                  <c:v>54138.4677627128</c:v>
+                  <c:v>54138.46776271279</c:v>
                 </c:pt>
                 <c:pt idx="54">
                   <c:v>54548.8706250522</c:v>
@@ -1150,11 +1150,11 @@
         </c:dLbls>
         <c:marker val="1"/>
         <c:smooth val="0"/>
-        <c:axId val="-2134690488"/>
-        <c:axId val="-2132101720"/>
+        <c:axId val="2071815096"/>
+        <c:axId val="2071818072"/>
       </c:lineChart>
       <c:catAx>
-        <c:axId val="-2134690488"/>
+        <c:axId val="2071815096"/>
         <c:scaling>
           <c:orientation val="minMax"/>
         </c:scaling>
@@ -1163,7 +1163,7 @@
         <c:majorTickMark val="out"/>
         <c:minorTickMark val="none"/>
         <c:tickLblPos val="nextTo"/>
-        <c:crossAx val="-2132101720"/>
+        <c:crossAx val="2071818072"/>
         <c:crosses val="autoZero"/>
         <c:auto val="1"/>
         <c:lblAlgn val="ctr"/>
@@ -1171,7 +1171,7 @@
         <c:noMultiLvlLbl val="0"/>
       </c:catAx>
       <c:valAx>
-        <c:axId val="-2132101720"/>
+        <c:axId val="2071818072"/>
         <c:scaling>
           <c:orientation val="minMax"/>
         </c:scaling>
@@ -1182,7 +1182,7 @@
         <c:majorTickMark val="out"/>
         <c:minorTickMark val="none"/>
         <c:tickLblPos val="nextTo"/>
-        <c:crossAx val="-2134690488"/>
+        <c:crossAx val="2071815096"/>
         <c:crosses val="autoZero"/>
         <c:crossBetween val="between"/>
       </c:valAx>
@@ -1707,7 +1707,7 @@
                   <c:v>22.0525681225056</c:v>
                 </c:pt>
                 <c:pt idx="9">
-                  <c:v>21.86676287352788</c:v>
+                  <c:v>21.86676287352787</c:v>
                 </c:pt>
                 <c:pt idx="10">
                   <c:v>22.1088698405175</c:v>
@@ -1737,7 +1737,7 @@
                   <c:v>35.2220700415661</c:v>
                 </c:pt>
                 <c:pt idx="19">
-                  <c:v>33.71064145974456</c:v>
+                  <c:v>33.71064145974454</c:v>
                 </c:pt>
                 <c:pt idx="20">
                   <c:v>31.7433236826149</c:v>
@@ -1788,7 +1788,7 @@
                   <c:v>40.83586428742559</c:v>
                 </c:pt>
                 <c:pt idx="36">
-                  <c:v>43.17023458378318</c:v>
+                  <c:v>43.17023458378317</c:v>
                 </c:pt>
                 <c:pt idx="37">
                   <c:v>41.9879351200829</c:v>
@@ -1815,7 +1815,7 @@
                   <c:v>43.34954102058659</c:v>
                 </c:pt>
                 <c:pt idx="45">
-                  <c:v>44.30270756776028</c:v>
+                  <c:v>44.30270756776027</c:v>
                 </c:pt>
                 <c:pt idx="46">
                   <c:v>45.8396576310418</c:v>
@@ -1845,7 +1845,7 @@
                   <c:v>45.2054849498261</c:v>
                 </c:pt>
                 <c:pt idx="55">
-                  <c:v>43.20768989375718</c:v>
+                  <c:v>43.20768989375717</c:v>
                 </c:pt>
                 <c:pt idx="56">
                   <c:v>42.1742560784513</c:v>
@@ -1883,11 +1883,11 @@
         </c:dLbls>
         <c:marker val="1"/>
         <c:smooth val="0"/>
-        <c:axId val="-2132867048"/>
-        <c:axId val="-2132865256"/>
+        <c:axId val="2071867400"/>
+        <c:axId val="2071870376"/>
       </c:lineChart>
       <c:catAx>
-        <c:axId val="-2132867048"/>
+        <c:axId val="2071867400"/>
         <c:scaling>
           <c:orientation val="minMax"/>
         </c:scaling>
@@ -1896,7 +1896,7 @@
         <c:majorTickMark val="out"/>
         <c:minorTickMark val="none"/>
         <c:tickLblPos val="nextTo"/>
-        <c:crossAx val="-2132865256"/>
+        <c:crossAx val="2071870376"/>
         <c:crosses val="autoZero"/>
         <c:auto val="1"/>
         <c:lblAlgn val="ctr"/>
@@ -1904,7 +1904,7 @@
         <c:noMultiLvlLbl val="0"/>
       </c:catAx>
       <c:valAx>
-        <c:axId val="-2132865256"/>
+        <c:axId val="2071870376"/>
         <c:scaling>
           <c:orientation val="minMax"/>
         </c:scaling>
@@ -1915,7 +1915,7 @@
         <c:majorTickMark val="out"/>
         <c:minorTickMark val="none"/>
         <c:tickLblPos val="nextTo"/>
-        <c:crossAx val="-2132867048"/>
+        <c:crossAx val="2071867400"/>
         <c:crosses val="autoZero"/>
         <c:crossBetween val="between"/>
       </c:valAx>
@@ -2075,16 +2075,16 @@
                   <c:v>19.2902708728025</c:v>
                 </c:pt>
                 <c:pt idx="32">
-                  <c:v>19.16364258793018</c:v>
+                  <c:v>19.16364258793017</c:v>
                 </c:pt>
                 <c:pt idx="33">
                   <c:v>20.171553463477</c:v>
                 </c:pt>
                 <c:pt idx="34">
-                  <c:v>21.22539497246588</c:v>
+                  <c:v>21.22539497246587</c:v>
                 </c:pt>
                 <c:pt idx="35">
-                  <c:v>21.94901783576628</c:v>
+                  <c:v>21.94901783576627</c:v>
                 </c:pt>
                 <c:pt idx="36">
                   <c:v>22.5560939926712</c:v>
@@ -2105,7 +2105,7 @@
                   <c:v>21.5459078776176</c:v>
                 </c:pt>
                 <c:pt idx="42">
-                  <c:v>21.88544782346928</c:v>
+                  <c:v>21.88544782346927</c:v>
                 </c:pt>
                 <c:pt idx="43">
                   <c:v>22.6854575534672</c:v>
@@ -2129,7 +2129,7 @@
                   <c:v>24.1693326151735</c:v>
                 </c:pt>
                 <c:pt idx="50">
-                  <c:v>24.60060951112788</c:v>
+                  <c:v>24.60060951112787</c:v>
                 </c:pt>
                 <c:pt idx="51">
                   <c:v>25.1262686796556</c:v>
@@ -2147,7 +2147,7 @@
                   <c:v>25.2238424571815</c:v>
                 </c:pt>
                 <c:pt idx="56">
-                  <c:v>25.48539745112558</c:v>
+                  <c:v>25.48539745112557</c:v>
                 </c:pt>
                 <c:pt idx="57">
                   <c:v>25.3644124078882</c:v>
@@ -2217,7 +2217,7 @@
                   <c:v>10.1083626724607</c:v>
                 </c:pt>
                 <c:pt idx="7">
-                  <c:v>9.545850007371586</c:v>
+                  <c:v>9.545850007371584</c:v>
                 </c:pt>
                 <c:pt idx="8">
                   <c:v>9.348391756826381</c:v>
@@ -2229,7 +2229,7 @@
                   <c:v>9.17637006893224</c:v>
                 </c:pt>
                 <c:pt idx="11">
-                  <c:v>9.544120548090556</c:v>
+                  <c:v>9.544120548090552</c:v>
                 </c:pt>
                 <c:pt idx="12">
                   <c:v>9.32264031156384</c:v>
@@ -2581,7 +2581,7 @@
                   <c:v>7.19396719678115</c:v>
                 </c:pt>
                 <c:pt idx="56">
-                  <c:v>5.679450867952388</c:v>
+                  <c:v>5.679450867952387</c:v>
                 </c:pt>
                 <c:pt idx="57">
                   <c:v>4.24193348945026</c:v>
@@ -2904,7 +2904,7 @@
                   <c:v>39.8981029554206</c:v>
                 </c:pt>
                 <c:pt idx="21">
-                  <c:v>38.58400477627058</c:v>
+                  <c:v>38.58400477627057</c:v>
                 </c:pt>
                 <c:pt idx="22">
                   <c:v>36.1928431388697</c:v>
@@ -2919,7 +2919,7 @@
                   <c:v>44.8063568858201</c:v>
                 </c:pt>
                 <c:pt idx="26">
-                  <c:v>48.20954767184358</c:v>
+                  <c:v>48.20954767184357</c:v>
                 </c:pt>
                 <c:pt idx="27">
                   <c:v>50.2338882253415</c:v>
@@ -2961,7 +2961,7 @@
                   <c:v>49.2486330344488</c:v>
                 </c:pt>
                 <c:pt idx="40">
-                  <c:v>48.04005606379388</c:v>
+                  <c:v>48.04005606379387</c:v>
                 </c:pt>
                 <c:pt idx="41">
                   <c:v>45.9487379335267</c:v>
@@ -2973,7 +2973,7 @@
                   <c:v>49.30063500472383</c:v>
                 </c:pt>
                 <c:pt idx="44">
-                  <c:v>52.77064651434338</c:v>
+                  <c:v>52.77064651434337</c:v>
                 </c:pt>
                 <c:pt idx="45">
                   <c:v>53.7769834643715</c:v>
@@ -2982,7 +2982,7 @@
                   <c:v>55.3978478285151</c:v>
                 </c:pt>
                 <c:pt idx="47">
-                  <c:v>54.21484446713528</c:v>
+                  <c:v>54.21484446713526</c:v>
                 </c:pt>
                 <c:pt idx="48">
                   <c:v>51.87917589094754</c:v>
@@ -3012,16 +3012,16 @@
                   <c:v>48.9593360828669</c:v>
                 </c:pt>
                 <c:pt idx="57">
-                  <c:v>47.05993276531364</c:v>
+                  <c:v>47.05993276531363</c:v>
                 </c:pt>
                 <c:pt idx="58">
-                  <c:v>48.88723165390255</c:v>
+                  <c:v>48.88723165390253</c:v>
                 </c:pt>
                 <c:pt idx="59">
                   <c:v>48.9925446209777</c:v>
                 </c:pt>
                 <c:pt idx="60">
-                  <c:v>50.38145449403124</c:v>
+                  <c:v>50.38145449403123</c:v>
                 </c:pt>
                 <c:pt idx="61">
                   <c:v>50.17140518672541</c:v>
@@ -3044,11 +3044,11 @@
         </c:dLbls>
         <c:marker val="1"/>
         <c:smooth val="0"/>
-        <c:axId val="-2123876024"/>
-        <c:axId val="-2123874616"/>
+        <c:axId val="2071902344"/>
+        <c:axId val="2071905400"/>
       </c:lineChart>
       <c:catAx>
-        <c:axId val="-2123876024"/>
+        <c:axId val="2071902344"/>
         <c:scaling>
           <c:orientation val="minMax"/>
         </c:scaling>
@@ -3057,7 +3057,7 @@
         <c:majorTickMark val="out"/>
         <c:minorTickMark val="none"/>
         <c:tickLblPos val="nextTo"/>
-        <c:crossAx val="-2123874616"/>
+        <c:crossAx val="2071905400"/>
         <c:crosses val="autoZero"/>
         <c:auto val="1"/>
         <c:lblAlgn val="ctr"/>
@@ -3065,7 +3065,7 @@
         <c:noMultiLvlLbl val="0"/>
       </c:catAx>
       <c:valAx>
-        <c:axId val="-2123874616"/>
+        <c:axId val="2071905400"/>
         <c:scaling>
           <c:orientation val="minMax"/>
         </c:scaling>
@@ -3076,7 +3076,7 @@
         <c:majorTickMark val="out"/>
         <c:minorTickMark val="none"/>
         <c:tickLblPos val="nextTo"/>
-        <c:crossAx val="-2123876024"/>
+        <c:crossAx val="2071902344"/>
         <c:crosses val="autoZero"/>
         <c:crossBetween val="between"/>
       </c:valAx>
@@ -3352,7 +3352,7 @@
                   <c:v>9.044798569786121</c:v>
                 </c:pt>
                 <c:pt idx="4">
-                  <c:v>9.236529911830489</c:v>
+                  <c:v>9.236529911830488</c:v>
                 </c:pt>
                 <c:pt idx="5">
                   <c:v>8.84904880905487</c:v>
@@ -3391,7 +3391,7 @@
                   <c:v>9.59299388463246</c:v>
                 </c:pt>
                 <c:pt idx="17">
-                  <c:v>9.71622989879557</c:v>
+                  <c:v>9.716229898795568</c:v>
                 </c:pt>
                 <c:pt idx="18">
                   <c:v>9.62391993917603</c:v>
@@ -3400,7 +3400,7 @@
                   <c:v>9.0638484729924</c:v>
                 </c:pt>
                 <c:pt idx="20">
-                  <c:v>8.433824249673179</c:v>
+                  <c:v>8.433824249673178</c:v>
                 </c:pt>
                 <c:pt idx="21">
                   <c:v>8.47630911020811</c:v>
@@ -3436,7 +3436,7 @@
                   <c:v>15.8327091963131</c:v>
                 </c:pt>
                 <c:pt idx="32">
-                  <c:v>16.9852049491734</c:v>
+                  <c:v>16.98520494917339</c:v>
                 </c:pt>
                 <c:pt idx="33">
                   <c:v>17.8847204087899</c:v>
@@ -3445,7 +3445,7 @@
                   <c:v>17.9152451139236</c:v>
                 </c:pt>
                 <c:pt idx="35">
-                  <c:v>17.5690432362657</c:v>
+                  <c:v>17.56904323626569</c:v>
                 </c:pt>
                 <c:pt idx="36">
                   <c:v>16.9787283199422</c:v>
@@ -3481,10 +3481,10 @@
                   <c:v>15.9895719340835</c:v>
                 </c:pt>
                 <c:pt idx="47">
-                  <c:v>16.9106735849617</c:v>
+                  <c:v>16.91067358496169</c:v>
                 </c:pt>
                 <c:pt idx="48">
-                  <c:v>17.6222413344299</c:v>
+                  <c:v>17.62224133442989</c:v>
                 </c:pt>
                 <c:pt idx="49">
                   <c:v>18.1739675558588</c:v>
@@ -3493,7 +3493,7 @@
                   <c:v>18.9343109995181</c:v>
                 </c:pt>
                 <c:pt idx="51">
-                  <c:v>18.2867192331627</c:v>
+                  <c:v>18.28671923316269</c:v>
                 </c:pt>
                 <c:pt idx="52">
                   <c:v>17.6109808355895</c:v>
@@ -4219,7 +4219,7 @@
                   <c:v>21.6199421147928</c:v>
                 </c:pt>
                 <c:pt idx="22">
-                  <c:v>20.4606706077493</c:v>
+                  <c:v>20.46067060774929</c:v>
                 </c:pt>
                 <c:pt idx="23">
                   <c:v>20.7001562067842</c:v>
@@ -4234,7 +4234,7 @@
                   <c:v>25.0926738248192</c:v>
                 </c:pt>
                 <c:pt idx="27">
-                  <c:v>26.2892232753235</c:v>
+                  <c:v>26.28922327532349</c:v>
                 </c:pt>
                 <c:pt idx="28">
                   <c:v>26.7134766823723</c:v>
@@ -4255,7 +4255,7 @@
                   <c:v>24.1168503120999</c:v>
                 </c:pt>
                 <c:pt idx="34">
-                  <c:v>25.6656436367341</c:v>
+                  <c:v>25.66564363673409</c:v>
                 </c:pt>
                 <c:pt idx="35">
                   <c:v>27.0602331054226</c:v>
@@ -4264,7 +4264,7 @@
                   <c:v>28.5784982958522</c:v>
                 </c:pt>
                 <c:pt idx="37">
-                  <c:v>28.42921900054</c:v>
+                  <c:v>28.42921900053999</c:v>
                 </c:pt>
                 <c:pt idx="38">
                   <c:v>28.7633907262551</c:v>
@@ -4282,13 +4282,13 @@
                   <c:v>26.6593353741743</c:v>
                 </c:pt>
                 <c:pt idx="43">
-                  <c:v>27.9990192789303</c:v>
+                  <c:v>27.99901927893029</c:v>
                 </c:pt>
                 <c:pt idx="44">
-                  <c:v>29.6835209653212</c:v>
+                  <c:v>29.68352096532119</c:v>
                 </c:pt>
                 <c:pt idx="45">
-                  <c:v>30.485317618033</c:v>
+                  <c:v>30.48531761803299</c:v>
                 </c:pt>
                 <c:pt idx="46">
                   <c:v>31.5017036388935</c:v>
@@ -4306,7 +4306,7 @@
                   <c:v>29.9163601054611</c:v>
                 </c:pt>
                 <c:pt idx="51">
-                  <c:v>30.9414965631263</c:v>
+                  <c:v>30.94149656312629</c:v>
                 </c:pt>
                 <c:pt idx="52">
                   <c:v>31.8289972461111</c:v>
@@ -4581,13 +4581,13 @@
                   <c:v>8.027302285475781</c:v>
                 </c:pt>
                 <c:pt idx="7">
-                  <c:v>7.96347483642845</c:v>
+                  <c:v>7.963474836428448</c:v>
                 </c:pt>
                 <c:pt idx="8">
                   <c:v>7.8779232459998</c:v>
                 </c:pt>
                 <c:pt idx="9">
-                  <c:v>7.87424407512095</c:v>
+                  <c:v>7.874244075120949</c:v>
                 </c:pt>
                 <c:pt idx="10">
                   <c:v>7.77419529530493</c:v>
@@ -4596,28 +4596,28 @@
                   <c:v>7.70239391485165</c:v>
                 </c:pt>
                 <c:pt idx="12">
-                  <c:v>7.71523564454543</c:v>
+                  <c:v>7.715235644545429</c:v>
                 </c:pt>
                 <c:pt idx="13">
                   <c:v>7.7466575202355</c:v>
                 </c:pt>
                 <c:pt idx="14">
-                  <c:v>7.91893917729829</c:v>
+                  <c:v>7.918939177298289</c:v>
                 </c:pt>
                 <c:pt idx="15">
                   <c:v>7.5367532615145</c:v>
                 </c:pt>
                 <c:pt idx="16">
-                  <c:v>7.86488799190778</c:v>
+                  <c:v>7.864887991907778</c:v>
                 </c:pt>
                 <c:pt idx="17">
                   <c:v>8.13458459491365</c:v>
                 </c:pt>
                 <c:pt idx="18">
-                  <c:v>8.331221164814719</c:v>
+                  <c:v>8.331221164814716</c:v>
                 </c:pt>
                 <c:pt idx="19">
-                  <c:v>8.2341751896187</c:v>
+                  <c:v>8.234175189618696</c:v>
                 </c:pt>
                 <c:pt idx="20">
                   <c:v>8.39807090822956</c:v>
@@ -4626,7 +4626,7 @@
                   <c:v>9.01914657077011</c:v>
                 </c:pt>
                 <c:pt idx="22">
-                  <c:v>9.736248937508559</c:v>
+                  <c:v>9.736248937508558</c:v>
                 </c:pt>
                 <c:pt idx="23">
                   <c:v>10.3341285546796</c:v>
@@ -4680,7 +4680,7 @@
                   <c:v>8.73559966611175</c:v>
                 </c:pt>
                 <c:pt idx="40">
-                  <c:v>9.04187797402378</c:v>
+                  <c:v>9.041877974023778</c:v>
                 </c:pt>
                 <c:pt idx="41">
                   <c:v>9.31845556424112</c:v>
@@ -4692,7 +4692,7 @@
                   <c:v>8.45148769554329</c:v>
                 </c:pt>
                 <c:pt idx="44">
-                  <c:v>7.96398176697343</c:v>
+                  <c:v>7.963981766973429</c:v>
                 </c:pt>
                 <c:pt idx="45">
                   <c:v>7.79109651014477</c:v>
@@ -4778,13 +4778,13 @@
                   <c:v>8.95809740760199</c:v>
                 </c:pt>
                 <c:pt idx="3">
-                  <c:v>8.70495349643098</c:v>
+                  <c:v>8.704953496430978</c:v>
                 </c:pt>
                 <c:pt idx="4">
                   <c:v>8.38103123674283</c:v>
                 </c:pt>
                 <c:pt idx="5">
-                  <c:v>8.07834869369543</c:v>
+                  <c:v>8.078348693695428</c:v>
                 </c:pt>
                 <c:pt idx="6">
                   <c:v>7.93610636275675</c:v>
@@ -4796,10 +4796,10 @@
                   <c:v>7.80057277099061</c:v>
                 </c:pt>
                 <c:pt idx="9">
-                  <c:v>7.7685853063536</c:v>
+                  <c:v>7.768585306353599</c:v>
                 </c:pt>
                 <c:pt idx="10">
-                  <c:v>7.52792462913887</c:v>
+                  <c:v>7.527924629138869</c:v>
                 </c:pt>
                 <c:pt idx="11">
                   <c:v>7.47090118966461</c:v>
@@ -4814,13 +4814,13 @@
                   <c:v>7.83965083974338</c:v>
                 </c:pt>
                 <c:pt idx="15">
-                  <c:v>7.30412860366774</c:v>
+                  <c:v>7.304128603667739</c:v>
                 </c:pt>
                 <c:pt idx="16">
-                  <c:v>7.66122020714291</c:v>
+                  <c:v>7.661220207142909</c:v>
                 </c:pt>
                 <c:pt idx="17">
-                  <c:v>7.82615692160826</c:v>
+                  <c:v>7.826156921608259</c:v>
                 </c:pt>
                 <c:pt idx="18">
                   <c:v>7.91168564103728</c:v>
@@ -4853,13 +4853,13 @@
                   <c:v>8.07408792348949</c:v>
                 </c:pt>
                 <c:pt idx="28">
-                  <c:v>7.86147331838751</c:v>
+                  <c:v>7.861473318387509</c:v>
                 </c:pt>
                 <c:pt idx="29">
                   <c:v>7.80110044373166</c:v>
                 </c:pt>
                 <c:pt idx="30">
-                  <c:v>8.13111833457446</c:v>
+                  <c:v>8.131118334574458</c:v>
                 </c:pt>
                 <c:pt idx="31">
                   <c:v>8.381773798951681</c:v>
@@ -4868,13 +4868,13 @@
                   <c:v>8.48987220688597</c:v>
                 </c:pt>
                 <c:pt idx="33">
-                  <c:v>8.23957060211907</c:v>
+                  <c:v>8.239570602119068</c:v>
                 </c:pt>
                 <c:pt idx="34">
                   <c:v>7.70627099801757</c:v>
                 </c:pt>
                 <c:pt idx="35">
-                  <c:v>7.26680826985569</c:v>
+                  <c:v>7.266808269855689</c:v>
                 </c:pt>
                 <c:pt idx="36">
                   <c:v>6.94146742532255</c:v>
@@ -4886,7 +4886,7 @@
                   <c:v>6.36816610122489</c:v>
                 </c:pt>
                 <c:pt idx="39">
-                  <c:v>6.28559557829991</c:v>
+                  <c:v>6.285595578299908</c:v>
                 </c:pt>
                 <c:pt idx="40">
                   <c:v>6.4206721946564</c:v>
@@ -4898,10 +4898,10 @@
                   <c:v>6.50226983044214</c:v>
                 </c:pt>
                 <c:pt idx="43">
-                  <c:v>6.14581464099052</c:v>
+                  <c:v>6.145814640990519</c:v>
                 </c:pt>
                 <c:pt idx="44">
-                  <c:v>6.19394422543569</c:v>
+                  <c:v>6.193944225435689</c:v>
                 </c:pt>
                 <c:pt idx="45">
                   <c:v>6.36965170412678</c:v>
@@ -4919,10 +4919,10 @@
                   <c:v>7.90328279700734</c:v>
                 </c:pt>
                 <c:pt idx="50">
-                  <c:v>7.93810487200718</c:v>
+                  <c:v>7.938104872007179</c:v>
                 </c:pt>
                 <c:pt idx="51">
-                  <c:v>7.46752976616683</c:v>
+                  <c:v>7.467529766166829</c:v>
                 </c:pt>
                 <c:pt idx="52">
                   <c:v>7.32039749869558</c:v>
@@ -4934,7 +4934,7 @@
                   <c:v>7.62610713551169</c:v>
                 </c:pt>
                 <c:pt idx="55">
-                  <c:v>8.11442618946058</c:v>
+                  <c:v>8.114426189460579</c:v>
                 </c:pt>
                 <c:pt idx="56">
                   <c:v>9.17773937887401</c:v>
@@ -4955,7 +4955,7 @@
                   <c:v>9.06075416235041</c:v>
                 </c:pt>
                 <c:pt idx="62">
-                  <c:v>9.631998271730859</c:v>
+                  <c:v>9.631998271730856</c:v>
                 </c:pt>
               </c:numCache>
             </c:numRef>
@@ -4972,11 +4972,11 @@
         </c:dLbls>
         <c:marker val="1"/>
         <c:smooth val="0"/>
-        <c:axId val="2143111672"/>
-        <c:axId val="-2104818248"/>
+        <c:axId val="2110592024"/>
+        <c:axId val="2110595144"/>
       </c:lineChart>
       <c:dateAx>
-        <c:axId val="2143111672"/>
+        <c:axId val="2110592024"/>
         <c:scaling>
           <c:orientation val="minMax"/>
         </c:scaling>
@@ -4986,14 +4986,14 @@
         <c:majorTickMark val="out"/>
         <c:minorTickMark val="none"/>
         <c:tickLblPos val="nextTo"/>
-        <c:crossAx val="-2104818248"/>
+        <c:crossAx val="2110595144"/>
         <c:crosses val="autoZero"/>
         <c:auto val="1"/>
         <c:lblOffset val="100"/>
         <c:baseTimeUnit val="months"/>
       </c:dateAx>
       <c:valAx>
-        <c:axId val="-2104818248"/>
+        <c:axId val="2110595144"/>
         <c:scaling>
           <c:orientation val="minMax"/>
         </c:scaling>
@@ -5004,7 +5004,7 @@
         <c:majorTickMark val="out"/>
         <c:minorTickMark val="none"/>
         <c:tickLblPos val="nextTo"/>
-        <c:crossAx val="2143111672"/>
+        <c:crossAx val="2110592024"/>
         <c:crosses val="autoZero"/>
         <c:crossBetween val="between"/>
       </c:valAx>
@@ -5040,7 +5040,17 @@
   <c:chart>
     <c:autoTitleDeleted val="0"/>
     <c:plotArea>
-      <c:layout/>
+      <c:layout>
+        <c:manualLayout>
+          <c:layoutTarget val="inner"/>
+          <c:xMode val="edge"/>
+          <c:yMode val="edge"/>
+          <c:x val="0.059306357987934"/>
+          <c:y val="0.0519080169956748"/>
+          <c:w val="0.636223303627979"/>
+          <c:h val="0.889416849987193"/>
+        </c:manualLayout>
+      </c:layout>
       <c:lineChart>
         <c:grouping val="standard"/>
         <c:varyColors val="0"/>
@@ -5083,13 +5093,13 @@
                   <c:v>6733.5404995971</c:v>
                 </c:pt>
                 <c:pt idx="5">
-                  <c:v>6623.78974231088</c:v>
+                  <c:v>6623.789742310879</c:v>
                 </c:pt>
                 <c:pt idx="6">
                   <c:v>6664.76751484308</c:v>
                 </c:pt>
                 <c:pt idx="7">
-                  <c:v>6669.97861550037</c:v>
+                  <c:v>6669.978615500369</c:v>
                 </c:pt>
                 <c:pt idx="8">
                   <c:v>7069.3517572892</c:v>
@@ -5131,10 +5141,10 @@
                   <c:v>6324.80095238095</c:v>
                 </c:pt>
                 <c:pt idx="21">
-                  <c:v>5831.47428232503</c:v>
+                  <c:v>5831.474282325029</c:v>
                 </c:pt>
                 <c:pt idx="22">
-                  <c:v>5866.57328484848</c:v>
+                  <c:v>5866.573284848479</c:v>
                 </c:pt>
                 <c:pt idx="23">
                   <c:v>5650.93022280471</c:v>
@@ -5182,7 +5192,7 @@
                   <c:v>5185.6504531722</c:v>
                 </c:pt>
                 <c:pt idx="38">
-                  <c:v>5230.58778128285</c:v>
+                  <c:v>5230.587781282849</c:v>
                 </c:pt>
                 <c:pt idx="39">
                   <c:v>4943.60124330117</c:v>
@@ -5209,7 +5219,7 @@
                   <c:v>4874.65919790758</c:v>
                 </c:pt>
                 <c:pt idx="47">
-                  <c:v>5110.11848784878</c:v>
+                  <c:v>5110.118487848779</c:v>
                 </c:pt>
                 <c:pt idx="48">
                   <c:v>5386.61347708895</c:v>
@@ -5271,8 +5281,8 @@
         </c:dLbls>
         <c:marker val="1"/>
         <c:smooth val="0"/>
-        <c:axId val="-2137682648"/>
-        <c:axId val="-2104204152"/>
+        <c:axId val="2110456280"/>
+        <c:axId val="2110459256"/>
       </c:lineChart>
       <c:lineChart>
         <c:grouping val="standard"/>
@@ -5349,7 +5359,7 @@
                   <c:v>3429.46360981569</c:v>
                 </c:pt>
                 <c:pt idx="16">
-                  <c:v>3413.22589973583</c:v>
+                  <c:v>3413.225899735829</c:v>
                 </c:pt>
                 <c:pt idx="17">
                   <c:v>3249.34416361038</c:v>
@@ -5364,7 +5374,7 @@
                   <c:v>2974.56678734884</c:v>
                 </c:pt>
                 <c:pt idx="21">
-                  <c:v>2945.19688313589</c:v>
+                  <c:v>2945.196883135889</c:v>
                 </c:pt>
                 <c:pt idx="22">
                   <c:v>2819.31609600551</c:v>
@@ -5430,7 +5440,7 @@
                   <c:v>2048.25273665803</c:v>
                 </c:pt>
                 <c:pt idx="43">
-                  <c:v>1999.59343433381</c:v>
+                  <c:v>1999.593434333809</c:v>
                 </c:pt>
                 <c:pt idx="44">
                   <c:v>2004.28475349078</c:v>
@@ -5504,11 +5514,11 @@
         </c:dLbls>
         <c:marker val="1"/>
         <c:smooth val="0"/>
-        <c:axId val="-2137588200"/>
-        <c:axId val="-2137369096"/>
+        <c:axId val="2110465592"/>
+        <c:axId val="2110462296"/>
       </c:lineChart>
       <c:catAx>
-        <c:axId val="-2137682648"/>
+        <c:axId val="2110456280"/>
         <c:scaling>
           <c:orientation val="minMax"/>
         </c:scaling>
@@ -5517,7 +5527,7 @@
         <c:majorTickMark val="out"/>
         <c:minorTickMark val="none"/>
         <c:tickLblPos val="nextTo"/>
-        <c:crossAx val="-2104204152"/>
+        <c:crossAx val="2110459256"/>
         <c:crosses val="autoZero"/>
         <c:auto val="1"/>
         <c:lblAlgn val="ctr"/>
@@ -5525,7 +5535,7 @@
         <c:noMultiLvlLbl val="0"/>
       </c:catAx>
       <c:valAx>
-        <c:axId val="-2104204152"/>
+        <c:axId val="2110459256"/>
         <c:scaling>
           <c:orientation val="minMax"/>
         </c:scaling>
@@ -5536,12 +5546,12 @@
         <c:majorTickMark val="out"/>
         <c:minorTickMark val="none"/>
         <c:tickLblPos val="nextTo"/>
-        <c:crossAx val="-2137682648"/>
+        <c:crossAx val="2110456280"/>
         <c:crosses val="autoZero"/>
         <c:crossBetween val="between"/>
       </c:valAx>
       <c:valAx>
-        <c:axId val="-2137369096"/>
+        <c:axId val="2110462296"/>
         <c:scaling>
           <c:orientation val="minMax"/>
         </c:scaling>
@@ -5551,12 +5561,12 @@
         <c:majorTickMark val="out"/>
         <c:minorTickMark val="none"/>
         <c:tickLblPos val="nextTo"/>
-        <c:crossAx val="-2137588200"/>
+        <c:crossAx val="2110465592"/>
         <c:crosses val="max"/>
         <c:crossBetween val="between"/>
       </c:valAx>
       <c:catAx>
-        <c:axId val="-2137588200"/>
+        <c:axId val="2110465592"/>
         <c:scaling>
           <c:orientation val="minMax"/>
         </c:scaling>
@@ -5565,7 +5575,7 @@
         <c:majorTickMark val="out"/>
         <c:minorTickMark val="none"/>
         <c:tickLblPos val="nextTo"/>
-        <c:crossAx val="-2137369096"/>
+        <c:crossAx val="2110462296"/>
         <c:crosses val="autoZero"/>
         <c:auto val="1"/>
         <c:lblAlgn val="ctr"/>
@@ -5632,7 +5642,7 @@
                 <c:formatCode>General</c:formatCode>
                 <c:ptCount val="63"/>
                 <c:pt idx="0">
-                  <c:v>7694.21171272814</c:v>
+                  <c:v>7694.211712728139</c:v>
                 </c:pt>
                 <c:pt idx="1">
                   <c:v>7828.55519804247</c:v>
@@ -5659,7 +5669,7 @@
                   <c:v>6857.93660953426</c:v>
                 </c:pt>
                 <c:pt idx="9">
-                  <c:v>7002.7463913285</c:v>
+                  <c:v>7002.746391328499</c:v>
                 </c:pt>
                 <c:pt idx="10">
                   <c:v>6839.51986471658</c:v>
@@ -5680,16 +5690,16 @@
                   <c:v>5824.8384385476</c:v>
                 </c:pt>
                 <c:pt idx="16">
-                  <c:v>5560.37533513424</c:v>
+                  <c:v>5560.375335134239</c:v>
                 </c:pt>
                 <c:pt idx="17">
-                  <c:v>5903.9899468281</c:v>
+                  <c:v>5903.989946828099</c:v>
                 </c:pt>
                 <c:pt idx="18">
                   <c:v>6058.25454505332</c:v>
                 </c:pt>
                 <c:pt idx="19">
-                  <c:v>6261.28805328017</c:v>
+                  <c:v>6261.288053280169</c:v>
                 </c:pt>
                 <c:pt idx="20">
                   <c:v>6594.86620421412</c:v>
@@ -5710,7 +5720,7 @@
                   <c:v>6225.57711357396</c:v>
                 </c:pt>
                 <c:pt idx="26">
-                  <c:v>6093.47841071248</c:v>
+                  <c:v>6093.478410712479</c:v>
                 </c:pt>
                 <c:pt idx="27">
                   <c:v>6270.54961710211</c:v>
@@ -5719,7 +5729,7 @@
                   <c:v>6423.52863394221</c:v>
                 </c:pt>
                 <c:pt idx="29">
-                  <c:v>6787.17335275431</c:v>
+                  <c:v>6787.173352754309</c:v>
                 </c:pt>
                 <c:pt idx="30">
                   <c:v>7210.88754596436</c:v>
@@ -5731,7 +5741,7 @@
                   <c:v>7513.98561803452</c:v>
                 </c:pt>
                 <c:pt idx="33">
-                  <c:v>7132.91941213626</c:v>
+                  <c:v>7132.919412136259</c:v>
                 </c:pt>
                 <c:pt idx="34">
                   <c:v>6663.56093104635</c:v>
@@ -5746,16 +5756,16 @@
                   <c:v>6694.36739455941</c:v>
                 </c:pt>
                 <c:pt idx="38">
-                  <c:v>6740.92039735835</c:v>
+                  <c:v>6740.920397358349</c:v>
                 </c:pt>
                 <c:pt idx="39">
                   <c:v>7196.10663719397</c:v>
                 </c:pt>
                 <c:pt idx="40">
-                  <c:v>7301.6630473385</c:v>
+                  <c:v>7301.663047338499</c:v>
                 </c:pt>
                 <c:pt idx="41">
-                  <c:v>7405.44074767126</c:v>
+                  <c:v>7405.440747671259</c:v>
                 </c:pt>
                 <c:pt idx="42">
                   <c:v>7162.11024270825</c:v>
@@ -5773,16 +5783,16 @@
                   <c:v>6706.87790375759</c:v>
                 </c:pt>
                 <c:pt idx="47">
-                  <c:v>7334.54933734216</c:v>
+                  <c:v>7334.549337342159</c:v>
                 </c:pt>
                 <c:pt idx="48">
-                  <c:v>7531.8943808341</c:v>
+                  <c:v>7531.894380834099</c:v>
                 </c:pt>
                 <c:pt idx="49">
                   <c:v>7476.59209485852</c:v>
                 </c:pt>
                 <c:pt idx="50">
-                  <c:v>7462.57739260835</c:v>
+                  <c:v>7462.577392608348</c:v>
                 </c:pt>
                 <c:pt idx="51">
                   <c:v>6661.53681191694</c:v>
@@ -5791,7 +5801,7 @@
                   <c:v>6586.99486057685</c:v>
                 </c:pt>
                 <c:pt idx="53">
-                  <c:v>6945.7789788785</c:v>
+                  <c:v>6945.778978878499</c:v>
                 </c:pt>
                 <c:pt idx="54">
                   <c:v>7273.13163668445</c:v>
@@ -5815,10 +5825,10 @@
                   <c:v>7540.37932172583</c:v>
                 </c:pt>
                 <c:pt idx="61">
-                  <c:v>7843.41774695486</c:v>
+                  <c:v>7843.417746954859</c:v>
                 </c:pt>
                 <c:pt idx="62">
-                  <c:v>8402.556977908251</c:v>
+                  <c:v>8402.556977908249</c:v>
                 </c:pt>
               </c:numCache>
             </c:numRef>
@@ -5852,7 +5862,7 @@
                   <c:v>7694.90634828109</c:v>
                 </c:pt>
                 <c:pt idx="1">
-                  <c:v>7787.40738896604</c:v>
+                  <c:v>7787.407388966039</c:v>
                 </c:pt>
                 <c:pt idx="2">
                   <c:v>7760.25534602816</c:v>
@@ -5876,7 +5886,7 @@
                   <c:v>6882.8958344363</c:v>
                 </c:pt>
                 <c:pt idx="9">
-                  <c:v>6918.70824229235</c:v>
+                  <c:v>6918.708242292349</c:v>
                 </c:pt>
                 <c:pt idx="10">
                   <c:v>6896.0228468194</c:v>
@@ -5930,7 +5940,7 @@
                   <c:v>6404.16174551982</c:v>
                 </c:pt>
                 <c:pt idx="27">
-                  <c:v>6377.99835509251</c:v>
+                  <c:v>6377.998355092509</c:v>
                 </c:pt>
                 <c:pt idx="28">
                   <c:v>6386.85871198995</c:v>
@@ -5963,7 +5973,7 @@
                   <c:v>6688.39596305558</c:v>
                 </c:pt>
                 <c:pt idx="38">
-                  <c:v>6693.73948614035</c:v>
+                  <c:v>6693.739486140349</c:v>
                 </c:pt>
                 <c:pt idx="39">
                   <c:v>6765.95596048807</c:v>
@@ -5975,7 +5985,7 @@
                   <c:v>6912.35131399176</c:v>
                 </c:pt>
                 <c:pt idx="42">
-                  <c:v>6943.58701564727</c:v>
+                  <c:v>6943.587015647269</c:v>
                 </c:pt>
                 <c:pt idx="43">
                   <c:v>6874.74298424617</c:v>
@@ -6097,13 +6107,13 @@
                   <c:v>615.524153498871</c:v>
                 </c:pt>
                 <c:pt idx="8">
-                  <c:v>995.817998423954</c:v>
+                  <c:v>995.8179984239538</c:v>
                 </c:pt>
                 <c:pt idx="9">
                   <c:v>691.1967691208</c:v>
                 </c:pt>
                 <c:pt idx="10">
-                  <c:v>618.622829194883</c:v>
+                  <c:v>618.6228291948828</c:v>
                 </c:pt>
                 <c:pt idx="11">
                   <c:v>696.548212867354</c:v>
@@ -6115,10 +6125,10 @@
                   <c:v>448.412924126172</c:v>
                 </c:pt>
                 <c:pt idx="14">
-                  <c:v>363.648738007379</c:v>
+                  <c:v>363.6487380073789</c:v>
                 </c:pt>
                 <c:pt idx="15">
-                  <c:v>421.723466440102</c:v>
+                  <c:v>421.7234664401019</c:v>
                 </c:pt>
                 <c:pt idx="16">
                   <c:v>385.747689429373</c:v>
@@ -6160,16 +6170,16 @@
                   <c:v>595.863328631875</c:v>
                 </c:pt>
                 <c:pt idx="29">
-                  <c:v>288.463004975124</c:v>
+                  <c:v>288.4630049751239</c:v>
                 </c:pt>
                 <c:pt idx="30">
                   <c:v>696.364572230013</c:v>
                 </c:pt>
                 <c:pt idx="31">
-                  <c:v>485.278344459278</c:v>
+                  <c:v>485.2783444592779</c:v>
                 </c:pt>
                 <c:pt idx="32">
-                  <c:v>505.261182147164</c:v>
+                  <c:v>505.2611821471639</c:v>
                 </c:pt>
                 <c:pt idx="33">
                   <c:v>188.061082737487</c:v>
@@ -6190,7 +6200,7 @@
                   <c:v>270.802439537329</c:v>
                 </c:pt>
                 <c:pt idx="39">
-                  <c:v>474.702508038585</c:v>
+                  <c:v>474.7025080385849</c:v>
                 </c:pt>
                 <c:pt idx="40">
                   <c:v>427.212123212321</c:v>
@@ -6199,10 +6209,10 @@
                   <c:v>344.956689520078</c:v>
                 </c:pt>
                 <c:pt idx="42">
-                  <c:v>528.452587412587</c:v>
+                  <c:v>528.4525874125869</c:v>
                 </c:pt>
                 <c:pt idx="43">
-                  <c:v>347.836450704225</c:v>
+                  <c:v>347.8364507042249</c:v>
                 </c:pt>
                 <c:pt idx="44">
                   <c:v>250.205870556061</c:v>
@@ -6220,7 +6230,7 @@
                   <c:v>279.472345013477</c:v>
                 </c:pt>
                 <c:pt idx="49">
-                  <c:v>292.875350701402</c:v>
+                  <c:v>292.8753507014019</c:v>
                 </c:pt>
                 <c:pt idx="50">
                   <c:v>352.193922746781</c:v>
@@ -6229,7 +6239,7 @@
                   <c:v>281.519317585301</c:v>
                 </c:pt>
                 <c:pt idx="52">
-                  <c:v>300.988563968668</c:v>
+                  <c:v>300.9885639686679</c:v>
                 </c:pt>
                 <c:pt idx="53">
                   <c:v>285.51876701361</c:v>
@@ -6244,7 +6254,7 @@
                   <c:v>178.525648224607</c:v>
                 </c:pt>
                 <c:pt idx="57">
-                  <c:v>143.143641069887</c:v>
+                  <c:v>143.1436410698869</c:v>
                 </c:pt>
                 <c:pt idx="58">
                   <c:v>323.652774070543</c:v>
@@ -6326,7 +6336,7 @@
                   <c:v>960.525515152302</c:v>
                 </c:pt>
                 <c:pt idx="9">
-                  <c:v>909.35440909353</c:v>
+                  <c:v>909.3544090935299</c:v>
                 </c:pt>
                 <c:pt idx="10">
                   <c:v>846.980344253127</c:v>
@@ -6341,13 +6351,13 @@
                   <c:v>673.123063156857</c:v>
                 </c:pt>
                 <c:pt idx="14">
-                  <c:v>556.390908195259</c:v>
+                  <c:v>556.3909081952588</c:v>
                 </c:pt>
                 <c:pt idx="15">
                   <c:v>469.932812705456</c:v>
                 </c:pt>
                 <c:pt idx="16">
-                  <c:v>388.399218351377</c:v>
+                  <c:v>388.3992183513769</c:v>
                 </c:pt>
                 <c:pt idx="17">
                   <c:v>386.55138251024</c:v>
@@ -6356,13 +6366,13 @@
                   <c:v>403.023317623039</c:v>
                 </c:pt>
                 <c:pt idx="19">
-                  <c:v>450.328893918874</c:v>
+                  <c:v>450.3288939188739</c:v>
                 </c:pt>
                 <c:pt idx="20">
                   <c:v>516.952776703568</c:v>
                 </c:pt>
                 <c:pt idx="21">
-                  <c:v>597.871202585858</c:v>
+                  <c:v>597.8712025858579</c:v>
                 </c:pt>
                 <c:pt idx="22">
                   <c:v>647.303403241437</c:v>
@@ -6383,16 +6393,16 @@
                   <c:v>594.144581751984</c:v>
                 </c:pt>
                 <c:pt idx="28">
-                  <c:v>597.928525814831</c:v>
+                  <c:v>597.9285258148309</c:v>
                 </c:pt>
                 <c:pt idx="29">
-                  <c:v>597.847675989714</c:v>
+                  <c:v>597.8476759897138</c:v>
                 </c:pt>
                 <c:pt idx="30">
-                  <c:v>661.71693688096</c:v>
+                  <c:v>661.7169368809599</c:v>
                 </c:pt>
                 <c:pt idx="31">
-                  <c:v>705.956992767459</c:v>
+                  <c:v>705.9569927674589</c:v>
                 </c:pt>
                 <c:pt idx="32">
                   <c:v>755.232539439586</c:v>
@@ -6407,13 +6417,13 @@
                   <c:v>617.237119954997</c:v>
                 </c:pt>
                 <c:pt idx="36">
-                  <c:v>556.13112210105</c:v>
+                  <c:v>556.1311221010499</c:v>
                 </c:pt>
                 <c:pt idx="37">
                   <c:v>536.882390786123</c:v>
                 </c:pt>
                 <c:pt idx="38">
-                  <c:v>521.340212503638</c:v>
+                  <c:v>521.3402125036379</c:v>
                 </c:pt>
                 <c:pt idx="39">
                   <c:v>560.913456821201</c:v>
@@ -6422,13 +6432,13 @@
                   <c:v>597.868491224696</c:v>
                 </c:pt>
                 <c:pt idx="41">
-                  <c:v>628.914621480502</c:v>
+                  <c:v>628.9146214805019</c:v>
                 </c:pt>
                 <c:pt idx="42">
                   <c:v>643.643997587799</c:v>
                 </c:pt>
                 <c:pt idx="43">
-                  <c:v>580.165669822994</c:v>
+                  <c:v>580.1656698229938</c:v>
                 </c:pt>
                 <c:pt idx="44">
                   <c:v>508.368794175052</c:v>
@@ -6446,7 +6456,7 @@
                   <c:v>525.542102219328</c:v>
                 </c:pt>
                 <c:pt idx="49">
-                  <c:v>557.30812586148</c:v>
+                  <c:v>557.3081258614799</c:v>
                 </c:pt>
                 <c:pt idx="50">
                   <c:v>588.440230511084</c:v>
@@ -6470,7 +6480,7 @@
                   <c:v>646.213404745773</c:v>
                 </c:pt>
                 <c:pt idx="57">
-                  <c:v>742.332837303359</c:v>
+                  <c:v>742.3328373033589</c:v>
                 </c:pt>
                 <c:pt idx="58">
                   <c:v>804.7212505444101</c:v>
@@ -6502,8 +6512,8 @@
         </c:dLbls>
         <c:marker val="1"/>
         <c:smooth val="0"/>
-        <c:axId val="-2105050280"/>
-        <c:axId val="-2124965736"/>
+        <c:axId val="2110524552"/>
+        <c:axId val="2110527608"/>
       </c:lineChart>
       <c:lineChart>
         <c:grouping val="standard"/>
@@ -6568,10 +6578,10 @@
                   <c:v>16.980935679152</c:v>
                 </c:pt>
                 <c:pt idx="9">
-                  <c:v>16.6816055077618</c:v>
+                  <c:v>16.68160550776179</c:v>
                 </c:pt>
                 <c:pt idx="10">
-                  <c:v>16.9151363857449</c:v>
+                  <c:v>16.91513638574489</c:v>
                 </c:pt>
                 <c:pt idx="11">
                   <c:v>16.9335013240898</c:v>
@@ -6580,7 +6590,7 @@
                   <c:v>17.3846143855808</c:v>
                 </c:pt>
                 <c:pt idx="13">
-                  <c:v>18.2754246637913</c:v>
+                  <c:v>18.27542466379129</c:v>
                 </c:pt>
                 <c:pt idx="14">
                   <c:v>20.2324482855908</c:v>
@@ -6631,7 +6641,7 @@
                   <c:v>20.908292010402</c:v>
                 </c:pt>
                 <c:pt idx="30">
-                  <c:v>19.0606273373913</c:v>
+                  <c:v>19.06062733739129</c:v>
                 </c:pt>
                 <c:pt idx="31">
                   <c:v>17.33168502209</c:v>
@@ -6721,7 +6731,7 @@
                   <c:v>4.01625280440002</c:v>
                 </c:pt>
                 <c:pt idx="60">
-                  <c:v>4.08021537823991</c:v>
+                  <c:v>4.080215378239909</c:v>
                 </c:pt>
                 <c:pt idx="61">
                   <c:v>3.49675755020335</c:v>
@@ -6744,11 +6754,11 @@
         </c:dLbls>
         <c:marker val="1"/>
         <c:smooth val="0"/>
-        <c:axId val="2143040392"/>
-        <c:axId val="-2125085944"/>
+        <c:axId val="2110533640"/>
+        <c:axId val="2110530648"/>
       </c:lineChart>
       <c:catAx>
-        <c:axId val="-2105050280"/>
+        <c:axId val="2110524552"/>
         <c:scaling>
           <c:orientation val="minMax"/>
         </c:scaling>
@@ -6757,7 +6767,7 @@
         <c:majorTickMark val="out"/>
         <c:minorTickMark val="none"/>
         <c:tickLblPos val="nextTo"/>
-        <c:crossAx val="-2124965736"/>
+        <c:crossAx val="2110527608"/>
         <c:crosses val="autoZero"/>
         <c:auto val="1"/>
         <c:lblAlgn val="ctr"/>
@@ -6765,7 +6775,7 @@
         <c:noMultiLvlLbl val="0"/>
       </c:catAx>
       <c:valAx>
-        <c:axId val="-2124965736"/>
+        <c:axId val="2110527608"/>
         <c:scaling>
           <c:orientation val="minMax"/>
         </c:scaling>
@@ -6776,12 +6786,12 @@
         <c:majorTickMark val="out"/>
         <c:minorTickMark val="none"/>
         <c:tickLblPos val="nextTo"/>
-        <c:crossAx val="-2105050280"/>
+        <c:crossAx val="2110524552"/>
         <c:crosses val="autoZero"/>
         <c:crossBetween val="between"/>
       </c:valAx>
       <c:valAx>
-        <c:axId val="-2125085944"/>
+        <c:axId val="2110530648"/>
         <c:scaling>
           <c:orientation val="minMax"/>
         </c:scaling>
@@ -6791,12 +6801,12 @@
         <c:majorTickMark val="out"/>
         <c:minorTickMark val="none"/>
         <c:tickLblPos val="nextTo"/>
-        <c:crossAx val="2143040392"/>
+        <c:crossAx val="2110533640"/>
         <c:crosses val="max"/>
         <c:crossBetween val="between"/>
       </c:valAx>
       <c:catAx>
-        <c:axId val="2143040392"/>
+        <c:axId val="2110533640"/>
         <c:scaling>
           <c:orientation val="minMax"/>
         </c:scaling>
@@ -6805,7 +6815,7 @@
         <c:majorTickMark val="out"/>
         <c:minorTickMark val="none"/>
         <c:tickLblPos val="nextTo"/>
-        <c:crossAx val="-2125085944"/>
+        <c:crossAx val="2110530648"/>
         <c:crosses val="autoZero"/>
         <c:auto val="1"/>
         <c:lblAlgn val="ctr"/>
@@ -6927,7 +6937,7 @@
                   <c:v>3429.46360981569</c:v>
                 </c:pt>
                 <c:pt idx="16">
-                  <c:v>3413.22589973583</c:v>
+                  <c:v>3413.225899735829</c:v>
                 </c:pt>
                 <c:pt idx="17">
                   <c:v>3249.34416361038</c:v>
@@ -6942,7 +6952,7 @@
                   <c:v>2974.56678734884</c:v>
                 </c:pt>
                 <c:pt idx="21">
-                  <c:v>2945.19688313589</c:v>
+                  <c:v>2945.196883135889</c:v>
                 </c:pt>
                 <c:pt idx="22">
                   <c:v>2819.31609600551</c:v>
@@ -7008,7 +7018,7 @@
                   <c:v>2048.25273665803</c:v>
                 </c:pt>
                 <c:pt idx="43">
-                  <c:v>1999.59343433381</c:v>
+                  <c:v>1999.593434333809</c:v>
                 </c:pt>
                 <c:pt idx="44">
                   <c:v>2004.28475349078</c:v>
@@ -7150,7 +7160,7 @@
                   <c:v>3405.44770536253</c:v>
                 </c:pt>
                 <c:pt idx="18">
-                  <c:v>3366.68702922063</c:v>
+                  <c:v>3366.687029220629</c:v>
                 </c:pt>
                 <c:pt idx="19">
                   <c:v>3322.50140925073</c:v>
@@ -7177,7 +7187,7 @@
                   <c:v>2905.73129814505</c:v>
                 </c:pt>
                 <c:pt idx="27">
-                  <c:v>2850.90434512763</c:v>
+                  <c:v>2850.904345127629</c:v>
                 </c:pt>
                 <c:pt idx="28">
                   <c:v>2800.44077568083</c:v>
@@ -7201,7 +7211,7 @@
                   <c:v>2421.3676955436</c:v>
                 </c:pt>
                 <c:pt idx="35">
-                  <c:v>2395.54418919672</c:v>
+                  <c:v>2395.544189196719</c:v>
                 </c:pt>
                 <c:pt idx="36">
                   <c:v>2386.05298434023</c:v>
@@ -7213,7 +7223,7 @@
                   <c:v>2321.32153782469</c:v>
                 </c:pt>
                 <c:pt idx="39">
-                  <c:v>2272.77894574279</c:v>
+                  <c:v>2272.778945742789</c:v>
                 </c:pt>
                 <c:pt idx="40">
                   <c:v>2223.69001323058</c:v>
@@ -7225,7 +7235,7 @@
                   <c:v>2146.69729218868</c:v>
                 </c:pt>
                 <c:pt idx="43">
-                  <c:v>2114.78894817387</c:v>
+                  <c:v>2114.788948173869</c:v>
                 </c:pt>
                 <c:pt idx="44">
                   <c:v>2090.86320224999</c:v>
@@ -7335,13 +7345,13 @@
                   <c:v>6733.5404995971</c:v>
                 </c:pt>
                 <c:pt idx="5">
-                  <c:v>6623.78974231088</c:v>
+                  <c:v>6623.789742310879</c:v>
                 </c:pt>
                 <c:pt idx="6">
                   <c:v>6664.76751484308</c:v>
                 </c:pt>
                 <c:pt idx="7">
-                  <c:v>6669.97861550037</c:v>
+                  <c:v>6669.978615500369</c:v>
                 </c:pt>
                 <c:pt idx="8">
                   <c:v>7069.3517572892</c:v>
@@ -7383,10 +7393,10 @@
                   <c:v>6324.80095238095</c:v>
                 </c:pt>
                 <c:pt idx="21">
-                  <c:v>5831.47428232503</c:v>
+                  <c:v>5831.474282325029</c:v>
                 </c:pt>
                 <c:pt idx="22">
-                  <c:v>5866.57328484848</c:v>
+                  <c:v>5866.573284848479</c:v>
                 </c:pt>
                 <c:pt idx="23">
                   <c:v>5650.93022280471</c:v>
@@ -7434,7 +7444,7 @@
                   <c:v>5185.6504531722</c:v>
                 </c:pt>
                 <c:pt idx="38">
-                  <c:v>5230.58778128285</c:v>
+                  <c:v>5230.587781282849</c:v>
                 </c:pt>
                 <c:pt idx="39">
                   <c:v>4943.60124330117</c:v>
@@ -7461,7 +7471,7 @@
                   <c:v>4874.65919790758</c:v>
                 </c:pt>
                 <c:pt idx="47">
-                  <c:v>5110.11848784878</c:v>
+                  <c:v>5110.118487848779</c:v>
                 </c:pt>
                 <c:pt idx="48">
                   <c:v>5386.61347708895</c:v>
@@ -7603,7 +7613,7 @@
                   <c:v>6453.81998069535</c:v>
                 </c:pt>
                 <c:pt idx="19">
-                  <c:v>6433.43815484321</c:v>
+                  <c:v>6433.438154843209</c:v>
                 </c:pt>
                 <c:pt idx="20">
                   <c:v>6419.9597996007</c:v>
@@ -7621,7 +7631,7 @@
                   <c:v>6272.84044139434</c:v>
                 </c:pt>
                 <c:pt idx="25">
-                  <c:v>6226.96352791638</c:v>
+                  <c:v>6226.963527916379</c:v>
                 </c:pt>
                 <c:pt idx="26">
                   <c:v>6209.48446152308</c:v>
@@ -7630,10 +7640,10 @@
                   <c:v>6232.35585464405</c:v>
                 </c:pt>
                 <c:pt idx="28">
-                  <c:v>6192.8757949922</c:v>
+                  <c:v>6192.875794992199</c:v>
                 </c:pt>
                 <c:pt idx="29">
-                  <c:v>6187.70849879124</c:v>
+                  <c:v>6187.708498791239</c:v>
                 </c:pt>
                 <c:pt idx="30">
                   <c:v>6123.79715811503</c:v>
@@ -7651,7 +7661,7 @@
                   <c:v>6075.13228101022</c:v>
                 </c:pt>
                 <c:pt idx="35">
-                  <c:v>6038.17345739616</c:v>
+                  <c:v>6038.173457396158</c:v>
                 </c:pt>
                 <c:pt idx="36">
                   <c:v>5977.08165248759</c:v>
@@ -7708,7 +7718,7 @@
                   <c:v>5184.90588625804</c:v>
                 </c:pt>
                 <c:pt idx="54">
-                  <c:v>5132.54899294065</c:v>
+                  <c:v>5132.548992940649</c:v>
                 </c:pt>
                 <c:pt idx="55">
                   <c:v>5136.65037725262</c:v>
@@ -7717,7 +7727,7 @@
                   <c:v>5116.64337438009</c:v>
                 </c:pt>
                 <c:pt idx="57">
-                  <c:v>5122.97897802431</c:v>
+                  <c:v>5122.978978024309</c:v>
                 </c:pt>
                 <c:pt idx="58">
                   <c:v>5125.68940273764</c:v>
@@ -7749,8 +7759,8 @@
         </c:dLbls>
         <c:marker val="1"/>
         <c:smooth val="0"/>
-        <c:axId val="-2133912184"/>
-        <c:axId val="-2132602776"/>
+        <c:axId val="2112785960"/>
+        <c:axId val="2112789016"/>
       </c:lineChart>
       <c:lineChart>
         <c:grouping val="standard"/>
@@ -7872,7 +7882,7 @@
                   <c:v>21.644273922623</c:v>
                 </c:pt>
                 <c:pt idx="28">
-                  <c:v>22.3422329289853</c:v>
+                  <c:v>22.34223292898529</c:v>
                 </c:pt>
                 <c:pt idx="29">
                   <c:v>23.1732059492631</c:v>
@@ -7881,10 +7891,10 @@
                   <c:v>24.0771566408905</c:v>
                 </c:pt>
                 <c:pt idx="31">
-                  <c:v>24.9037385707467</c:v>
+                  <c:v>24.90373857074669</c:v>
                 </c:pt>
                 <c:pt idx="32">
-                  <c:v>25.9837102999633</c:v>
+                  <c:v>25.98371029996329</c:v>
                 </c:pt>
                 <c:pt idx="33">
                   <c:v>26.8321319069113</c:v>
@@ -7893,7 +7903,7 @@
                   <c:v>27.4275210210666</c:v>
                 </c:pt>
                 <c:pt idx="35">
-                  <c:v>27.7753432767013</c:v>
+                  <c:v>27.77534327670129</c:v>
                 </c:pt>
                 <c:pt idx="36">
                   <c:v>27.9141578135594</c:v>
@@ -7926,13 +7936,13 @@
                   <c:v>32.6741838008869</c:v>
                 </c:pt>
                 <c:pt idx="46">
-                  <c:v>33.2712035978429</c:v>
+                  <c:v>33.27120359784289</c:v>
                 </c:pt>
                 <c:pt idx="47">
-                  <c:v>33.9762960516845</c:v>
+                  <c:v>33.97629605168449</c:v>
                 </c:pt>
                 <c:pt idx="48">
-                  <c:v>34.6376872582364</c:v>
+                  <c:v>34.63768725823638</c:v>
                 </c:pt>
                 <c:pt idx="49">
                   <c:v>35.2957682469698</c:v>
@@ -7944,10 +7954,10 @@
                   <c:v>35.9341763959961</c:v>
                 </c:pt>
                 <c:pt idx="52">
-                  <c:v>36.1336295656333</c:v>
+                  <c:v>36.13362956563329</c:v>
                 </c:pt>
                 <c:pt idx="53">
-                  <c:v>36.4510754844354</c:v>
+                  <c:v>36.45107548443539</c:v>
                 </c:pt>
                 <c:pt idx="54">
                   <c:v>36.8194787041289</c:v>
@@ -7956,7 +7966,7 @@
                   <c:v>37.5060910854099</c:v>
                 </c:pt>
                 <c:pt idx="56">
-                  <c:v>38.1568945314901</c:v>
+                  <c:v>38.15689453149009</c:v>
                 </c:pt>
                 <c:pt idx="57">
                   <c:v>38.7081063117491</c:v>
@@ -7965,7 +7975,7 @@
                   <c:v>38.9568583390156</c:v>
                 </c:pt>
                 <c:pt idx="59">
-                  <c:v>38.7270375920165</c:v>
+                  <c:v>38.72703759201649</c:v>
                 </c:pt>
                 <c:pt idx="60">
                   <c:v>38.4051426161241</c:v>
@@ -7991,11 +8001,11 @@
         </c:dLbls>
         <c:marker val="1"/>
         <c:smooth val="0"/>
-        <c:axId val="-2131651800"/>
-        <c:axId val="-2131877304"/>
+        <c:axId val="2112795048"/>
+        <c:axId val="2112792056"/>
       </c:lineChart>
       <c:catAx>
-        <c:axId val="-2133912184"/>
+        <c:axId val="2112785960"/>
         <c:scaling>
           <c:orientation val="minMax"/>
         </c:scaling>
@@ -8004,7 +8014,7 @@
         <c:majorTickMark val="out"/>
         <c:minorTickMark val="none"/>
         <c:tickLblPos val="nextTo"/>
-        <c:crossAx val="-2132602776"/>
+        <c:crossAx val="2112789016"/>
         <c:crosses val="autoZero"/>
         <c:auto val="1"/>
         <c:lblAlgn val="ctr"/>
@@ -8012,7 +8022,7 @@
         <c:noMultiLvlLbl val="0"/>
       </c:catAx>
       <c:valAx>
-        <c:axId val="-2132602776"/>
+        <c:axId val="2112789016"/>
         <c:scaling>
           <c:orientation val="minMax"/>
         </c:scaling>
@@ -8023,12 +8033,12 @@
         <c:majorTickMark val="out"/>
         <c:minorTickMark val="none"/>
         <c:tickLblPos val="nextTo"/>
-        <c:crossAx val="-2133912184"/>
+        <c:crossAx val="2112785960"/>
         <c:crosses val="autoZero"/>
         <c:crossBetween val="between"/>
       </c:valAx>
       <c:valAx>
-        <c:axId val="-2131877304"/>
+        <c:axId val="2112792056"/>
         <c:scaling>
           <c:orientation val="minMax"/>
         </c:scaling>
@@ -8038,12 +8048,12 @@
         <c:majorTickMark val="out"/>
         <c:minorTickMark val="none"/>
         <c:tickLblPos val="nextTo"/>
-        <c:crossAx val="-2131651800"/>
+        <c:crossAx val="2112795048"/>
         <c:crosses val="max"/>
         <c:crossBetween val="between"/>
       </c:valAx>
       <c:catAx>
-        <c:axId val="-2131651800"/>
+        <c:axId val="2112795048"/>
         <c:scaling>
           <c:orientation val="minMax"/>
         </c:scaling>
@@ -8052,7 +8062,7 @@
         <c:majorTickMark val="out"/>
         <c:minorTickMark val="none"/>
         <c:tickLblPos val="nextTo"/>
-        <c:crossAx val="-2131877304"/>
+        <c:crossAx val="2112792056"/>
         <c:crosses val="autoZero"/>
         <c:auto val="1"/>
         <c:lblAlgn val="ctr"/>
@@ -8180,10 +8190,10 @@
                   <c:v>17.1859170517195</c:v>
                 </c:pt>
                 <c:pt idx="18">
-                  <c:v>17.4483436732394</c:v>
+                  <c:v>17.44834367323939</c:v>
                 </c:pt>
                 <c:pt idx="19">
-                  <c:v>17.8024921703359</c:v>
+                  <c:v>17.80249217033589</c:v>
                 </c:pt>
                 <c:pt idx="20">
                   <c:v>17.8693871300035</c:v>
@@ -8192,7 +8202,7 @@
                   <c:v>18.1640104494658</c:v>
                 </c:pt>
                 <c:pt idx="22">
-                  <c:v>18.2122902627617</c:v>
+                  <c:v>18.21229026276169</c:v>
                 </c:pt>
                 <c:pt idx="23">
                   <c:v>18.3603187073711</c:v>
@@ -8204,7 +8214,7 @@
                   <c:v>18.894475954971</c:v>
                 </c:pt>
                 <c:pt idx="26">
-                  <c:v>19.2266221929979</c:v>
+                  <c:v>19.22662219299789</c:v>
                 </c:pt>
                 <c:pt idx="27">
                   <c:v>19.6653575641621</c:v>
@@ -8243,10 +8253,10 @@
                   <c:v>22.5946563938404</c:v>
                 </c:pt>
                 <c:pt idx="39">
-                  <c:v>22.4444493188412</c:v>
+                  <c:v>22.44444931884119</c:v>
                 </c:pt>
                 <c:pt idx="40">
-                  <c:v>22.4234365067797</c:v>
+                  <c:v>22.42343650677969</c:v>
                 </c:pt>
                 <c:pt idx="41">
                   <c:v>22.3654811109451</c:v>
@@ -8282,10 +8292,10 @@
                   <c:v>26.9230537534948</c:v>
                 </c:pt>
                 <c:pt idx="52">
-                  <c:v>26.8880942081383</c:v>
+                  <c:v>26.88809420813829</c:v>
                 </c:pt>
                 <c:pt idx="53">
-                  <c:v>26.8483415439142</c:v>
+                  <c:v>26.84834154391419</c:v>
                 </c:pt>
                 <c:pt idx="54">
                   <c:v>26.824764052724</c:v>
@@ -8472,7 +8482,7 @@
                   <c:v>15.4300032044191</c:v>
                 </c:pt>
                 <c:pt idx="43">
-                  <c:v>16.0086019941658</c:v>
+                  <c:v>16.00860199416579</c:v>
                 </c:pt>
                 <c:pt idx="44">
                   <c:v>17.1833202004687</c:v>
@@ -8490,25 +8500,25 @@
                   <c:v>19.1759624000975</c:v>
                 </c:pt>
                 <c:pt idx="49">
-                  <c:v>17.8201995987643</c:v>
+                  <c:v>17.82019959876429</c:v>
                 </c:pt>
                 <c:pt idx="50">
                   <c:v>17.9473072074481</c:v>
                 </c:pt>
                 <c:pt idx="51">
-                  <c:v>18.3987345794263</c:v>
+                  <c:v>18.39873457942629</c:v>
                 </c:pt>
                 <c:pt idx="52">
                   <c:v>19.1370434409554</c:v>
                 </c:pt>
                 <c:pt idx="53">
-                  <c:v>18.7832825402883</c:v>
+                  <c:v>18.78328254028829</c:v>
                 </c:pt>
                 <c:pt idx="54">
                   <c:v>19.5904518666754</c:v>
                 </c:pt>
                 <c:pt idx="55">
-                  <c:v>18.1216242043219</c:v>
+                  <c:v>18.12162420432189</c:v>
                 </c:pt>
                 <c:pt idx="56">
                   <c:v>17.6264433154989</c:v>
@@ -8722,7 +8732,7 @@
                   <c:v>21.6883555649425</c:v>
                 </c:pt>
                 <c:pt idx="54">
-                  <c:v>21.4737629756918</c:v>
+                  <c:v>21.47376297569179</c:v>
                 </c:pt>
                 <c:pt idx="55">
                   <c:v>19.8203793672506</c:v>
@@ -8804,10 +8814,10 @@
                   <c:v>16.980935679152</c:v>
                 </c:pt>
                 <c:pt idx="9">
-                  <c:v>16.6816055077618</c:v>
+                  <c:v>16.68160550776179</c:v>
                 </c:pt>
                 <c:pt idx="10">
-                  <c:v>16.9151363857449</c:v>
+                  <c:v>16.91513638574489</c:v>
                 </c:pt>
                 <c:pt idx="11">
                   <c:v>16.9335013240898</c:v>
@@ -8816,7 +8826,7 @@
                   <c:v>17.3846143855808</c:v>
                 </c:pt>
                 <c:pt idx="13">
-                  <c:v>18.2754246637913</c:v>
+                  <c:v>18.27542466379129</c:v>
                 </c:pt>
                 <c:pt idx="14">
                   <c:v>20.2324482855908</c:v>
@@ -8867,7 +8877,7 @@
                   <c:v>20.908292010402</c:v>
                 </c:pt>
                 <c:pt idx="30">
-                  <c:v>19.0606273373913</c:v>
+                  <c:v>19.06062733739129</c:v>
                 </c:pt>
                 <c:pt idx="31">
                   <c:v>17.33168502209</c:v>
@@ -8957,7 +8967,7 @@
                   <c:v>4.01625280440002</c:v>
                 </c:pt>
                 <c:pt idx="60">
-                  <c:v>4.08021537823991</c:v>
+                  <c:v>4.080215378239909</c:v>
                 </c:pt>
                 <c:pt idx="61">
                   <c:v>3.49675755020335</c:v>
@@ -9051,7 +9061,7 @@
                   <c:v>17.6219284150336</c:v>
                 </c:pt>
                 <c:pt idx="19">
-                  <c:v>17.9385144835872</c:v>
+                  <c:v>17.93851448358719</c:v>
                 </c:pt>
                 <c:pt idx="20">
                   <c:v>18.3763423972529</c:v>
@@ -9069,7 +9079,7 @@
                   <c:v>21.9713597933506</c:v>
                 </c:pt>
                 <c:pt idx="25">
-                  <c:v>23.3466128327869</c:v>
+                  <c:v>23.34661283278689</c:v>
                 </c:pt>
                 <c:pt idx="26">
                   <c:v>24.6459439208148</c:v>
@@ -9081,16 +9091,16 @@
                   <c:v>26.4199692066695</c:v>
                 </c:pt>
                 <c:pt idx="29">
-                  <c:v>27.0004920393239</c:v>
+                  <c:v>27.00049203932389</c:v>
                 </c:pt>
                 <c:pt idx="30">
-                  <c:v>27.7725135851817</c:v>
+                  <c:v>27.77251358518169</c:v>
                 </c:pt>
                 <c:pt idx="31">
                   <c:v>28.2362653682698</c:v>
                 </c:pt>
                 <c:pt idx="32">
-                  <c:v>28.3884301857702</c:v>
+                  <c:v>28.38843018577019</c:v>
                 </c:pt>
                 <c:pt idx="33">
                   <c:v>28.2521825908979</c:v>
@@ -9102,10 +9112,10 @@
                   <c:v>28.3359389337037</c:v>
                 </c:pt>
                 <c:pt idx="36">
-                  <c:v>28.4254706983615</c:v>
+                  <c:v>28.42547069836149</c:v>
                 </c:pt>
                 <c:pt idx="37">
-                  <c:v>28.2626428655064</c:v>
+                  <c:v>28.26264286550639</c:v>
                 </c:pt>
                 <c:pt idx="38">
                   <c:v>28.0768439266006</c:v>
@@ -9120,10 +9130,10 @@
                   <c:v>27.7032185407169</c:v>
                 </c:pt>
                 <c:pt idx="42">
-                  <c:v>27.6725848763032</c:v>
+                  <c:v>27.67258487630319</c:v>
                 </c:pt>
                 <c:pt idx="43">
-                  <c:v>27.5230124319328</c:v>
+                  <c:v>27.52301243193279</c:v>
                 </c:pt>
                 <c:pt idx="44">
                   <c:v>27.7767971619817</c:v>
@@ -9147,7 +9157,7 @@
                   <c:v>27.8572200897566</c:v>
                 </c:pt>
                 <c:pt idx="51">
-                  <c:v>27.7076435859656</c:v>
+                  <c:v>27.70764358596559</c:v>
                 </c:pt>
                 <c:pt idx="52">
                   <c:v>27.6271029521342</c:v>
@@ -9295,7 +9305,7 @@
                   <c:v>21.644273922623</c:v>
                 </c:pt>
                 <c:pt idx="28">
-                  <c:v>22.3422329289853</c:v>
+                  <c:v>22.34223292898529</c:v>
                 </c:pt>
                 <c:pt idx="29">
                   <c:v>23.1732059492631</c:v>
@@ -9304,10 +9314,10 @@
                   <c:v>24.0771566408905</c:v>
                 </c:pt>
                 <c:pt idx="31">
-                  <c:v>24.9037385707467</c:v>
+                  <c:v>24.90373857074669</c:v>
                 </c:pt>
                 <c:pt idx="32">
-                  <c:v>25.9837102999633</c:v>
+                  <c:v>25.98371029996329</c:v>
                 </c:pt>
                 <c:pt idx="33">
                   <c:v>26.8321319069113</c:v>
@@ -9316,7 +9326,7 @@
                   <c:v>27.4275210210666</c:v>
                 </c:pt>
                 <c:pt idx="35">
-                  <c:v>27.7753432767013</c:v>
+                  <c:v>27.77534327670129</c:v>
                 </c:pt>
                 <c:pt idx="36">
                   <c:v>27.9141578135594</c:v>
@@ -9349,13 +9359,13 @@
                   <c:v>32.6741838008869</c:v>
                 </c:pt>
                 <c:pt idx="46">
-                  <c:v>33.2712035978429</c:v>
+                  <c:v>33.27120359784289</c:v>
                 </c:pt>
                 <c:pt idx="47">
-                  <c:v>33.9762960516845</c:v>
+                  <c:v>33.97629605168449</c:v>
                 </c:pt>
                 <c:pt idx="48">
-                  <c:v>34.6376872582364</c:v>
+                  <c:v>34.63768725823638</c:v>
                 </c:pt>
                 <c:pt idx="49">
                   <c:v>35.2957682469698</c:v>
@@ -9367,10 +9377,10 @@
                   <c:v>35.9341763959961</c:v>
                 </c:pt>
                 <c:pt idx="52">
-                  <c:v>36.1336295656333</c:v>
+                  <c:v>36.13362956563329</c:v>
                 </c:pt>
                 <c:pt idx="53">
-                  <c:v>36.4510754844354</c:v>
+                  <c:v>36.45107548443539</c:v>
                 </c:pt>
                 <c:pt idx="54">
                   <c:v>36.8194787041289</c:v>
@@ -9379,7 +9389,7 @@
                   <c:v>37.5060910854099</c:v>
                 </c:pt>
                 <c:pt idx="56">
-                  <c:v>38.1568945314901</c:v>
+                  <c:v>38.15689453149009</c:v>
                 </c:pt>
                 <c:pt idx="57">
                   <c:v>38.7081063117491</c:v>
@@ -9388,7 +9398,7 @@
                   <c:v>38.9568583390156</c:v>
                 </c:pt>
                 <c:pt idx="59">
-                  <c:v>38.7270375920165</c:v>
+                  <c:v>38.72703759201649</c:v>
                 </c:pt>
                 <c:pt idx="60">
                   <c:v>38.4051426161241</c:v>
@@ -9414,11 +9424,11 @@
         </c:dLbls>
         <c:marker val="1"/>
         <c:smooth val="0"/>
-        <c:axId val="-2134799272"/>
-        <c:axId val="-2123992184"/>
+        <c:axId val="2112849256"/>
+        <c:axId val="2112852392"/>
       </c:lineChart>
       <c:catAx>
-        <c:axId val="-2134799272"/>
+        <c:axId val="2112849256"/>
         <c:scaling>
           <c:orientation val="minMax"/>
         </c:scaling>
@@ -9427,7 +9437,7 @@
         <c:majorTickMark val="out"/>
         <c:minorTickMark val="none"/>
         <c:tickLblPos val="nextTo"/>
-        <c:crossAx val="-2123992184"/>
+        <c:crossAx val="2112852392"/>
         <c:crosses val="autoZero"/>
         <c:auto val="1"/>
         <c:lblAlgn val="ctr"/>
@@ -9435,7 +9445,7 @@
         <c:noMultiLvlLbl val="0"/>
       </c:catAx>
       <c:valAx>
-        <c:axId val="-2123992184"/>
+        <c:axId val="2112852392"/>
         <c:scaling>
           <c:orientation val="minMax"/>
         </c:scaling>
@@ -9446,7 +9456,7 @@
         <c:majorTickMark val="out"/>
         <c:minorTickMark val="none"/>
         <c:tickLblPos val="nextTo"/>
-        <c:crossAx val="-2134799272"/>
+        <c:crossAx val="2112849256"/>
         <c:crosses val="autoZero"/>
         <c:crossBetween val="between"/>
       </c:valAx>
@@ -9576,7 +9586,7 @@
                   <c:v>21.6199421147928</c:v>
                 </c:pt>
                 <c:pt idx="22">
-                  <c:v>20.4606706077493</c:v>
+                  <c:v>20.46067060774929</c:v>
                 </c:pt>
                 <c:pt idx="23">
                   <c:v>20.7001562067842</c:v>
@@ -9591,7 +9601,7 @@
                   <c:v>25.0926738248192</c:v>
                 </c:pt>
                 <c:pt idx="27">
-                  <c:v>26.2892232753235</c:v>
+                  <c:v>26.28922327532349</c:v>
                 </c:pt>
                 <c:pt idx="28">
                   <c:v>26.7134766823723</c:v>
@@ -9612,7 +9622,7 @@
                   <c:v>24.1168503120999</c:v>
                 </c:pt>
                 <c:pt idx="34">
-                  <c:v>25.6656436367341</c:v>
+                  <c:v>25.66564363673409</c:v>
                 </c:pt>
                 <c:pt idx="35">
                   <c:v>27.0602331054226</c:v>
@@ -9621,7 +9631,7 @@
                   <c:v>28.5784982958522</c:v>
                 </c:pt>
                 <c:pt idx="37">
-                  <c:v>28.42921900054</c:v>
+                  <c:v>28.42921900053999</c:v>
                 </c:pt>
                 <c:pt idx="38">
                   <c:v>28.7633907262551</c:v>
@@ -9639,13 +9649,13 @@
                   <c:v>26.6593353741743</c:v>
                 </c:pt>
                 <c:pt idx="43">
-                  <c:v>27.9990192789303</c:v>
+                  <c:v>27.99901927893029</c:v>
                 </c:pt>
                 <c:pt idx="44">
-                  <c:v>29.6835209653212</c:v>
+                  <c:v>29.68352096532119</c:v>
                 </c:pt>
                 <c:pt idx="45">
-                  <c:v>30.485317618033</c:v>
+                  <c:v>30.48531761803299</c:v>
                 </c:pt>
                 <c:pt idx="46">
                   <c:v>31.5017036388935</c:v>
@@ -9663,7 +9673,7 @@
                   <c:v>29.9163601054611</c:v>
                 </c:pt>
                 <c:pt idx="51">
-                  <c:v>30.9414965631263</c:v>
+                  <c:v>30.94149656312629</c:v>
                 </c:pt>
                 <c:pt idx="52">
                   <c:v>31.8289972461111</c:v>
@@ -9745,7 +9755,7 @@
                   <c:v>12.98454456223105</c:v>
                 </c:pt>
                 <c:pt idx="6">
-                  <c:v>13.25059782758589</c:v>
+                  <c:v>13.2505978275859</c:v>
                 </c:pt>
                 <c:pt idx="7">
                   <c:v>13.32924991249042</c:v>
@@ -9835,7 +9845,7 @@
                   <c:v>21.6622924144057</c:v>
                 </c:pt>
                 <c:pt idx="36">
-                  <c:v>22.44872011559532</c:v>
+                  <c:v>22.44872011559531</c:v>
                 </c:pt>
                 <c:pt idx="37">
                   <c:v>22.43919142426272</c:v>
@@ -9853,7 +9863,7 @@
                   <c:v>21.77321273595435</c:v>
                 </c:pt>
                 <c:pt idx="42">
-                  <c:v>21.79693161316323</c:v>
+                  <c:v>21.79693161316322</c:v>
                 </c:pt>
                 <c:pt idx="43">
                   <c:v>22.34425189947727</c:v>
@@ -9868,7 +9878,7 @@
                   <c:v>24.25350395469298</c:v>
                 </c:pt>
                 <c:pt idx="47">
-                  <c:v>24.26961149490993</c:v>
+                  <c:v>24.26961149490992</c:v>
                 </c:pt>
                 <c:pt idx="48">
                   <c:v>23.84601877636265</c:v>
@@ -9877,7 +9887,7 @@
                   <c:v>23.41731878005903</c:v>
                 </c:pt>
                 <c:pt idx="50">
-                  <c:v>23.48073520756082</c:v>
+                  <c:v>23.48073520756081</c:v>
                 </c:pt>
                 <c:pt idx="51">
                   <c:v>23.92038248217058</c:v>
@@ -10141,11 +10151,11 @@
         </c:dLbls>
         <c:marker val="1"/>
         <c:smooth val="0"/>
-        <c:axId val="2142696744"/>
-        <c:axId val="-2105197960"/>
+        <c:axId val="2019684040"/>
+        <c:axId val="2019689096"/>
       </c:lineChart>
       <c:catAx>
-        <c:axId val="2142696744"/>
+        <c:axId val="2019684040"/>
         <c:scaling>
           <c:orientation val="minMax"/>
         </c:scaling>
@@ -10154,7 +10164,7 @@
         <c:majorTickMark val="out"/>
         <c:minorTickMark val="none"/>
         <c:tickLblPos val="nextTo"/>
-        <c:crossAx val="-2105197960"/>
+        <c:crossAx val="2019689096"/>
         <c:crosses val="autoZero"/>
         <c:auto val="1"/>
         <c:lblAlgn val="ctr"/>
@@ -10162,7 +10172,7 @@
         <c:noMultiLvlLbl val="0"/>
       </c:catAx>
       <c:valAx>
-        <c:axId val="-2105197960"/>
+        <c:axId val="2019689096"/>
         <c:scaling>
           <c:orientation val="minMax"/>
         </c:scaling>
@@ -10173,7 +10183,7 @@
         <c:majorTickMark val="out"/>
         <c:minorTickMark val="none"/>
         <c:tickLblPos val="nextTo"/>
-        <c:crossAx val="2142696744"/>
+        <c:crossAx val="2019684040"/>
         <c:crosses val="autoZero"/>
         <c:crossBetween val="between"/>
       </c:valAx>
@@ -10237,7 +10247,7 @@
                 <c:formatCode>General</c:formatCode>
                 <c:ptCount val="63"/>
                 <c:pt idx="0">
-                  <c:v>7694.21171272814</c:v>
+                  <c:v>7694.211712728139</c:v>
                 </c:pt>
                 <c:pt idx="1">
                   <c:v>7828.55519804247</c:v>
@@ -10264,7 +10274,7 @@
                   <c:v>6857.93660953426</c:v>
                 </c:pt>
                 <c:pt idx="9">
-                  <c:v>7002.7463913285</c:v>
+                  <c:v>7002.746391328499</c:v>
                 </c:pt>
                 <c:pt idx="10">
                   <c:v>6839.51986471658</c:v>
@@ -10285,16 +10295,16 @@
                   <c:v>5824.8384385476</c:v>
                 </c:pt>
                 <c:pt idx="16">
-                  <c:v>5560.37533513424</c:v>
+                  <c:v>5560.375335134239</c:v>
                 </c:pt>
                 <c:pt idx="17">
-                  <c:v>5903.9899468281</c:v>
+                  <c:v>5903.989946828099</c:v>
                 </c:pt>
                 <c:pt idx="18">
                   <c:v>6058.25454505332</c:v>
                 </c:pt>
                 <c:pt idx="19">
-                  <c:v>6261.28805328017</c:v>
+                  <c:v>6261.288053280169</c:v>
                 </c:pt>
                 <c:pt idx="20">
                   <c:v>6594.86620421412</c:v>
@@ -10315,7 +10325,7 @@
                   <c:v>6225.57711357396</c:v>
                 </c:pt>
                 <c:pt idx="26">
-                  <c:v>6093.47841071248</c:v>
+                  <c:v>6093.478410712479</c:v>
                 </c:pt>
                 <c:pt idx="27">
                   <c:v>6270.54961710211</c:v>
@@ -10324,7 +10334,7 @@
                   <c:v>6423.52863394221</c:v>
                 </c:pt>
                 <c:pt idx="29">
-                  <c:v>6787.17335275431</c:v>
+                  <c:v>6787.173352754309</c:v>
                 </c:pt>
                 <c:pt idx="30">
                   <c:v>7210.88754596436</c:v>
@@ -10336,7 +10346,7 @@
                   <c:v>7513.98561803452</c:v>
                 </c:pt>
                 <c:pt idx="33">
-                  <c:v>7132.91941213626</c:v>
+                  <c:v>7132.919412136259</c:v>
                 </c:pt>
                 <c:pt idx="34">
                   <c:v>6663.56093104635</c:v>
@@ -10351,16 +10361,16 @@
                   <c:v>6694.36739455941</c:v>
                 </c:pt>
                 <c:pt idx="38">
-                  <c:v>6740.92039735835</c:v>
+                  <c:v>6740.920397358349</c:v>
                 </c:pt>
                 <c:pt idx="39">
                   <c:v>7196.10663719397</c:v>
                 </c:pt>
                 <c:pt idx="40">
-                  <c:v>7301.6630473385</c:v>
+                  <c:v>7301.663047338499</c:v>
                 </c:pt>
                 <c:pt idx="41">
-                  <c:v>7405.44074767126</c:v>
+                  <c:v>7405.440747671259</c:v>
                 </c:pt>
                 <c:pt idx="42">
                   <c:v>7162.11024270825</c:v>
@@ -10378,16 +10388,16 @@
                   <c:v>6706.87790375759</c:v>
                 </c:pt>
                 <c:pt idx="47">
-                  <c:v>7334.54933734216</c:v>
+                  <c:v>7334.549337342159</c:v>
                 </c:pt>
                 <c:pt idx="48">
-                  <c:v>7531.8943808341</c:v>
+                  <c:v>7531.894380834099</c:v>
                 </c:pt>
                 <c:pt idx="49">
                   <c:v>7476.59209485852</c:v>
                 </c:pt>
                 <c:pt idx="50">
-                  <c:v>7462.57739260835</c:v>
+                  <c:v>7462.577392608348</c:v>
                 </c:pt>
                 <c:pt idx="51">
                   <c:v>6661.53681191694</c:v>
@@ -10396,7 +10406,7 @@
                   <c:v>6586.99486057685</c:v>
                 </c:pt>
                 <c:pt idx="53">
-                  <c:v>6945.7789788785</c:v>
+                  <c:v>6945.778978878499</c:v>
                 </c:pt>
                 <c:pt idx="54">
                   <c:v>7273.13163668445</c:v>
@@ -10420,10 +10430,10 @@
                   <c:v>7540.37932172583</c:v>
                 </c:pt>
                 <c:pt idx="61">
-                  <c:v>7843.41774695486</c:v>
+                  <c:v>7843.417746954859</c:v>
                 </c:pt>
                 <c:pt idx="62">
-                  <c:v>8402.556977908251</c:v>
+                  <c:v>8402.556977908249</c:v>
                 </c:pt>
               </c:numCache>
             </c:numRef>
@@ -10454,7 +10464,7 @@
                 <c:formatCode>General</c:formatCode>
                 <c:ptCount val="63"/>
                 <c:pt idx="0">
-                  <c:v>7695.7140322161</c:v>
+                  <c:v>7695.714032216099</c:v>
                 </c:pt>
                 <c:pt idx="1">
                   <c:v>7784.89185575571</c:v>
@@ -10469,13 +10479,13 @@
                   <c:v>7420.66072940442</c:v>
                 </c:pt>
                 <c:pt idx="5">
-                  <c:v>7182.90685226266</c:v>
+                  <c:v>7182.906852262659</c:v>
                 </c:pt>
                 <c:pt idx="6">
                   <c:v>6978.38267408951</c:v>
                 </c:pt>
                 <c:pt idx="7">
-                  <c:v>6927.97464193859</c:v>
+                  <c:v>6927.974641938589</c:v>
                 </c:pt>
                 <c:pt idx="8">
                   <c:v>6905.09635931539</c:v>
@@ -10514,7 +10524,7 @@
                   <c:v>6098.24555447676</c:v>
                 </c:pt>
                 <c:pt idx="20">
-                  <c:v>6207.45709776357</c:v>
+                  <c:v>6207.457097763569</c:v>
                 </c:pt>
                 <c:pt idx="21">
                   <c:v>6307.91812402144</c:v>
@@ -10532,13 +10542,13 @@
                   <c:v>6343.75820186404</c:v>
                 </c:pt>
                 <c:pt idx="26">
-                  <c:v>6256.43491792965</c:v>
+                  <c:v>6256.434917929649</c:v>
                 </c:pt>
                 <c:pt idx="27">
                   <c:v>6214.7339164793</c:v>
                 </c:pt>
                 <c:pt idx="28">
-                  <c:v>6221.09375842845</c:v>
+                  <c:v>6221.093758428449</c:v>
                 </c:pt>
                 <c:pt idx="29">
                   <c:v>6294.62758263153</c:v>
@@ -10604,7 +10614,7 @@
                   <c:v>6740.85381081911</c:v>
                 </c:pt>
                 <c:pt idx="50">
-                  <c:v>6774.38889701493</c:v>
+                  <c:v>6774.388897014929</c:v>
                 </c:pt>
                 <c:pt idx="51">
                   <c:v>6744.07264269675</c:v>
@@ -10657,11 +10667,11 @@
         </c:dLbls>
         <c:marker val="1"/>
         <c:smooth val="0"/>
-        <c:axId val="-2104665336"/>
-        <c:axId val="-2133360152"/>
+        <c:axId val="2071710600"/>
+        <c:axId val="2071713544"/>
       </c:lineChart>
       <c:catAx>
-        <c:axId val="-2104665336"/>
+        <c:axId val="2071710600"/>
         <c:scaling>
           <c:orientation val="minMax"/>
         </c:scaling>
@@ -10670,7 +10680,7 @@
         <c:majorTickMark val="out"/>
         <c:minorTickMark val="none"/>
         <c:tickLblPos val="nextTo"/>
-        <c:crossAx val="-2133360152"/>
+        <c:crossAx val="2071713544"/>
         <c:crosses val="autoZero"/>
         <c:auto val="1"/>
         <c:lblAlgn val="ctr"/>
@@ -10678,7 +10688,7 @@
         <c:noMultiLvlLbl val="0"/>
       </c:catAx>
       <c:valAx>
-        <c:axId val="-2133360152"/>
+        <c:axId val="2071713544"/>
         <c:scaling>
           <c:orientation val="minMax"/>
         </c:scaling>
@@ -10689,7 +10699,7 @@
         <c:majorTickMark val="out"/>
         <c:minorTickMark val="none"/>
         <c:tickLblPos val="nextTo"/>
-        <c:crossAx val="-2104665336"/>
+        <c:crossAx val="2071710600"/>
         <c:crosses val="autoZero"/>
         <c:crossBetween val="between"/>
       </c:valAx>
@@ -10777,13 +10787,13 @@
                   <c:v>615.524153498871</c:v>
                 </c:pt>
                 <c:pt idx="8">
-                  <c:v>995.817998423954</c:v>
+                  <c:v>995.8179984239538</c:v>
                 </c:pt>
                 <c:pt idx="9">
                   <c:v>691.1967691208</c:v>
                 </c:pt>
                 <c:pt idx="10">
-                  <c:v>618.622829194883</c:v>
+                  <c:v>618.6228291948828</c:v>
                 </c:pt>
                 <c:pt idx="11">
                   <c:v>696.548212867354</c:v>
@@ -10795,10 +10805,10 @@
                   <c:v>448.412924126172</c:v>
                 </c:pt>
                 <c:pt idx="14">
-                  <c:v>363.648738007379</c:v>
+                  <c:v>363.6487380073789</c:v>
                 </c:pt>
                 <c:pt idx="15">
-                  <c:v>421.723466440102</c:v>
+                  <c:v>421.7234664401019</c:v>
                 </c:pt>
                 <c:pt idx="16">
                   <c:v>385.747689429373</c:v>
@@ -10840,16 +10850,16 @@
                   <c:v>595.863328631875</c:v>
                 </c:pt>
                 <c:pt idx="29">
-                  <c:v>288.463004975124</c:v>
+                  <c:v>288.4630049751239</c:v>
                 </c:pt>
                 <c:pt idx="30">
                   <c:v>696.364572230013</c:v>
                 </c:pt>
                 <c:pt idx="31">
-                  <c:v>485.278344459278</c:v>
+                  <c:v>485.2783444592779</c:v>
                 </c:pt>
                 <c:pt idx="32">
-                  <c:v>505.261182147164</c:v>
+                  <c:v>505.2611821471639</c:v>
                 </c:pt>
                 <c:pt idx="33">
                   <c:v>188.061082737487</c:v>
@@ -10870,7 +10880,7 @@
                   <c:v>270.802439537329</c:v>
                 </c:pt>
                 <c:pt idx="39">
-                  <c:v>474.702508038585</c:v>
+                  <c:v>474.7025080385849</c:v>
                 </c:pt>
                 <c:pt idx="40">
                   <c:v>427.212123212321</c:v>
@@ -10879,10 +10889,10 @@
                   <c:v>344.956689520078</c:v>
                 </c:pt>
                 <c:pt idx="42">
-                  <c:v>528.452587412587</c:v>
+                  <c:v>528.4525874125869</c:v>
                 </c:pt>
                 <c:pt idx="43">
-                  <c:v>347.836450704225</c:v>
+                  <c:v>347.8364507042249</c:v>
                 </c:pt>
                 <c:pt idx="44">
                   <c:v>250.205870556061</c:v>
@@ -10900,7 +10910,7 @@
                   <c:v>279.472345013477</c:v>
                 </c:pt>
                 <c:pt idx="49">
-                  <c:v>292.875350701402</c:v>
+                  <c:v>292.8753507014019</c:v>
                 </c:pt>
                 <c:pt idx="50">
                   <c:v>352.193922746781</c:v>
@@ -10909,7 +10919,7 @@
                   <c:v>281.519317585301</c:v>
                 </c:pt>
                 <c:pt idx="52">
-                  <c:v>300.988563968668</c:v>
+                  <c:v>300.9885639686679</c:v>
                 </c:pt>
                 <c:pt idx="53">
                   <c:v>285.51876701361</c:v>
@@ -10924,7 +10934,7 @@
                   <c:v>178.525648224607</c:v>
                 </c:pt>
                 <c:pt idx="57">
-                  <c:v>143.143641069887</c:v>
+                  <c:v>143.1436410698869</c:v>
                 </c:pt>
                 <c:pt idx="58">
                   <c:v>323.652774070543</c:v>
@@ -10994,10 +11004,10 @@
                   <c:v>971.353060251351</c:v>
                 </c:pt>
                 <c:pt idx="8">
-                  <c:v>971.115668473919</c:v>
+                  <c:v>971.1156684739188</c:v>
                 </c:pt>
                 <c:pt idx="9">
-                  <c:v>909.9557928898409</c:v>
+                  <c:v>909.9557928898408</c:v>
                 </c:pt>
                 <c:pt idx="10">
                   <c:v>839.138911314178</c:v>
@@ -11021,13 +11031,13 @@
                   <c:v>357.358026434921</c:v>
                 </c:pt>
                 <c:pt idx="17">
-                  <c:v>353.796906251068</c:v>
+                  <c:v>353.7969062510679</c:v>
                 </c:pt>
                 <c:pt idx="18">
-                  <c:v>366.592932447638</c:v>
+                  <c:v>366.5929324476379</c:v>
                 </c:pt>
                 <c:pt idx="19">
-                  <c:v>421.986795367975</c:v>
+                  <c:v>421.9867953679749</c:v>
                 </c:pt>
                 <c:pt idx="20">
                   <c:v>490.343029728625</c:v>
@@ -11036,7 +11046,7 @@
                   <c:v>562.905072241312</c:v>
                 </c:pt>
                 <c:pt idx="22">
-                  <c:v>608.996513811808</c:v>
+                  <c:v>608.9965138118079</c:v>
                 </c:pt>
                 <c:pt idx="23">
                   <c:v>600.831560240614</c:v>
@@ -11048,10 +11058,10 @@
                   <c:v>518.469796541377</c:v>
                 </c:pt>
                 <c:pt idx="26">
-                  <c:v>488.394795968004</c:v>
+                  <c:v>488.3947959680039</c:v>
                 </c:pt>
                 <c:pt idx="27">
-                  <c:v>458.436758186739</c:v>
+                  <c:v>458.4367581867389</c:v>
                 </c:pt>
                 <c:pt idx="28">
                   <c:v>458.693207593212</c:v>
@@ -11069,19 +11079,19 @@
                   <c:v>554.418989025842</c:v>
                 </c:pt>
                 <c:pt idx="33">
-                  <c:v>498.676418846399</c:v>
+                  <c:v>498.6764188463989</c:v>
                 </c:pt>
                 <c:pt idx="34">
-                  <c:v>410.992225862873</c:v>
+                  <c:v>410.9922258628729</c:v>
                 </c:pt>
                 <c:pt idx="35">
                   <c:v>353.113783593753</c:v>
                 </c:pt>
                 <c:pt idx="36">
-                  <c:v>307.262017228034</c:v>
+                  <c:v>307.2620172280339</c:v>
                 </c:pt>
                 <c:pt idx="37">
-                  <c:v>312.065936706254</c:v>
+                  <c:v>312.0659367062539</c:v>
                 </c:pt>
                 <c:pt idx="38">
                   <c:v>297.573383306397</c:v>
@@ -11093,7 +11103,7 @@
                   <c:v>361.186255739267</c:v>
                 </c:pt>
                 <c:pt idx="41">
-                  <c:v>388.233109597647</c:v>
+                  <c:v>388.2331095976469</c:v>
                 </c:pt>
                 <c:pt idx="42">
                   <c:v>398.20214621986</c:v>
@@ -11126,7 +11136,7 @@
                   <c:v>248.755648991407</c:v>
                 </c:pt>
                 <c:pt idx="52">
-                  <c:v>225.295553709321</c:v>
+                  <c:v>225.2955537093209</c:v>
                 </c:pt>
                 <c:pt idx="53">
                   <c:v>236.904881680077</c:v>
@@ -11173,11 +11183,11 @@
         </c:dLbls>
         <c:marker val="1"/>
         <c:smooth val="0"/>
-        <c:axId val="-2123602504"/>
-        <c:axId val="-2132189080"/>
+        <c:axId val="2071736744"/>
+        <c:axId val="2071739720"/>
       </c:lineChart>
       <c:catAx>
-        <c:axId val="-2123602504"/>
+        <c:axId val="2071736744"/>
         <c:scaling>
           <c:orientation val="minMax"/>
         </c:scaling>
@@ -11186,7 +11196,7 @@
         <c:majorTickMark val="out"/>
         <c:minorTickMark val="none"/>
         <c:tickLblPos val="nextTo"/>
-        <c:crossAx val="-2132189080"/>
+        <c:crossAx val="2071739720"/>
         <c:crosses val="autoZero"/>
         <c:auto val="1"/>
         <c:lblAlgn val="ctr"/>
@@ -11194,7 +11204,7 @@
         <c:noMultiLvlLbl val="0"/>
       </c:catAx>
       <c:valAx>
-        <c:axId val="-2132189080"/>
+        <c:axId val="2071739720"/>
         <c:scaling>
           <c:orientation val="minMax"/>
         </c:scaling>
@@ -11205,7 +11215,7 @@
         <c:majorTickMark val="out"/>
         <c:minorTickMark val="none"/>
         <c:tickLblPos val="nextTo"/>
-        <c:crossAx val="-2123602504"/>
+        <c:crossAx val="2071736744"/>
         <c:crosses val="autoZero"/>
         <c:crossBetween val="between"/>
       </c:valAx>
@@ -11389,7 +11399,7 @@
                   <c:v>21007.1088551528</c:v>
                 </c:pt>
                 <c:pt idx="40">
-                  <c:v>20973.8923574773</c:v>
+                  <c:v>20973.89235747729</c:v>
                 </c:pt>
                 <c:pt idx="41">
                   <c:v>20639.2765139861</c:v>
@@ -11422,7 +11432,7 @@
                   <c:v>19889.9270797376</c:v>
                 </c:pt>
                 <c:pt idx="51">
-                  <c:v>19692.7320380755</c:v>
+                  <c:v>19692.73203807549</c:v>
                 </c:pt>
                 <c:pt idx="52">
                   <c:v>19622.8493085652</c:v>
@@ -11489,7 +11499,7 @@
                   <c:v>18391.1209555391</c:v>
                 </c:pt>
                 <c:pt idx="1">
-                  <c:v>18519.3733094365</c:v>
+                  <c:v>18519.37330943649</c:v>
                 </c:pt>
                 <c:pt idx="2">
                   <c:v>18669.6902707733</c:v>
@@ -11537,7 +11547,7 @@
                   <c:v>20393.7808852488</c:v>
                 </c:pt>
                 <c:pt idx="17">
-                  <c:v>20438.6302669573</c:v>
+                  <c:v>20438.63026695729</c:v>
                 </c:pt>
                 <c:pt idx="18">
                   <c:v>20470.4998278913</c:v>
@@ -11630,7 +11640,7 @@
                   <c:v>21212.3240666464</c:v>
                 </c:pt>
                 <c:pt idx="48">
-                  <c:v>21100.6908173354</c:v>
+                  <c:v>21100.69081733539</c:v>
                 </c:pt>
                 <c:pt idx="49">
                   <c:v>20994.2855931703</c:v>
@@ -11689,11 +11699,11 @@
         </c:dLbls>
         <c:marker val="1"/>
         <c:smooth val="0"/>
-        <c:axId val="-2132385640"/>
-        <c:axId val="-2134244744"/>
+        <c:axId val="2071787576"/>
+        <c:axId val="2071790552"/>
       </c:lineChart>
       <c:catAx>
-        <c:axId val="-2132385640"/>
+        <c:axId val="2071787576"/>
         <c:scaling>
           <c:orientation val="minMax"/>
         </c:scaling>
@@ -11702,7 +11712,7 @@
         <c:majorTickMark val="out"/>
         <c:minorTickMark val="none"/>
         <c:tickLblPos val="nextTo"/>
-        <c:crossAx val="-2134244744"/>
+        <c:crossAx val="2071790552"/>
         <c:crosses val="autoZero"/>
         <c:auto val="1"/>
         <c:lblAlgn val="ctr"/>
@@ -11710,7 +11720,7 @@
         <c:noMultiLvlLbl val="0"/>
       </c:catAx>
       <c:valAx>
-        <c:axId val="-2134244744"/>
+        <c:axId val="2071790552"/>
         <c:scaling>
           <c:orientation val="minMax"/>
         </c:scaling>
@@ -11721,7 +11731,7 @@
         <c:majorTickMark val="out"/>
         <c:minorTickMark val="none"/>
         <c:tickLblPos val="nextTo"/>
-        <c:crossAx val="-2132385640"/>
+        <c:crossAx val="2071787576"/>
         <c:crosses val="autoZero"/>
         <c:crossBetween val="between"/>
       </c:valAx>
@@ -11922,7 +11932,7 @@
           <a:p>
             <a:fld id="{A325BC5C-9A76-BB46-9A49-9B3B3B449680}" type="datetimeFigureOut">
               <a:rPr lang="en-US" smtClean="0"/>
-              <a:t>10/6/16</a:t>
+              <a:t>14/6/16</a:t>
             </a:fld>
             <a:endParaRPr lang="en-US"/>
           </a:p>
@@ -12092,7 +12102,7 @@
           <a:p>
             <a:fld id="{A325BC5C-9A76-BB46-9A49-9B3B3B449680}" type="datetimeFigureOut">
               <a:rPr lang="en-US" smtClean="0"/>
-              <a:t>10/6/16</a:t>
+              <a:t>14/6/16</a:t>
             </a:fld>
             <a:endParaRPr lang="en-US"/>
           </a:p>
@@ -12272,7 +12282,7 @@
           <a:p>
             <a:fld id="{A325BC5C-9A76-BB46-9A49-9B3B3B449680}" type="datetimeFigureOut">
               <a:rPr lang="en-US" smtClean="0"/>
-              <a:t>10/6/16</a:t>
+              <a:t>14/6/16</a:t>
             </a:fld>
             <a:endParaRPr lang="en-US"/>
           </a:p>
@@ -12442,7 +12452,7 @@
           <a:p>
             <a:fld id="{A325BC5C-9A76-BB46-9A49-9B3B3B449680}" type="datetimeFigureOut">
               <a:rPr lang="en-US" smtClean="0"/>
-              <a:t>10/6/16</a:t>
+              <a:t>14/6/16</a:t>
             </a:fld>
             <a:endParaRPr lang="en-US"/>
           </a:p>
@@ -12688,7 +12698,7 @@
           <a:p>
             <a:fld id="{A325BC5C-9A76-BB46-9A49-9B3B3B449680}" type="datetimeFigureOut">
               <a:rPr lang="en-US" smtClean="0"/>
-              <a:t>10/6/16</a:t>
+              <a:t>14/6/16</a:t>
             </a:fld>
             <a:endParaRPr lang="en-US"/>
           </a:p>
@@ -12976,7 +12986,7 @@
           <a:p>
             <a:fld id="{A325BC5C-9A76-BB46-9A49-9B3B3B449680}" type="datetimeFigureOut">
               <a:rPr lang="en-US" smtClean="0"/>
-              <a:t>10/6/16</a:t>
+              <a:t>14/6/16</a:t>
             </a:fld>
             <a:endParaRPr lang="en-US"/>
           </a:p>
@@ -13398,7 +13408,7 @@
           <a:p>
             <a:fld id="{A325BC5C-9A76-BB46-9A49-9B3B3B449680}" type="datetimeFigureOut">
               <a:rPr lang="en-US" smtClean="0"/>
-              <a:t>10/6/16</a:t>
+              <a:t>14/6/16</a:t>
             </a:fld>
             <a:endParaRPr lang="en-US"/>
           </a:p>
@@ -13516,7 +13526,7 @@
           <a:p>
             <a:fld id="{A325BC5C-9A76-BB46-9A49-9B3B3B449680}" type="datetimeFigureOut">
               <a:rPr lang="en-US" smtClean="0"/>
-              <a:t>10/6/16</a:t>
+              <a:t>14/6/16</a:t>
             </a:fld>
             <a:endParaRPr lang="en-US"/>
           </a:p>
@@ -13611,7 +13621,7 @@
           <a:p>
             <a:fld id="{A325BC5C-9A76-BB46-9A49-9B3B3B449680}" type="datetimeFigureOut">
               <a:rPr lang="en-US" smtClean="0"/>
-              <a:t>10/6/16</a:t>
+              <a:t>14/6/16</a:t>
             </a:fld>
             <a:endParaRPr lang="en-US"/>
           </a:p>
@@ -13888,7 +13898,7 @@
           <a:p>
             <a:fld id="{A325BC5C-9A76-BB46-9A49-9B3B3B449680}" type="datetimeFigureOut">
               <a:rPr lang="en-US" smtClean="0"/>
-              <a:t>10/6/16</a:t>
+              <a:t>14/6/16</a:t>
             </a:fld>
             <a:endParaRPr lang="en-US"/>
           </a:p>
@@ -14141,7 +14151,7 @@
           <a:p>
             <a:fld id="{A325BC5C-9A76-BB46-9A49-9B3B3B449680}" type="datetimeFigureOut">
               <a:rPr lang="en-US" smtClean="0"/>
-              <a:t>10/6/16</a:t>
+              <a:t>14/6/16</a:t>
             </a:fld>
             <a:endParaRPr lang="en-US"/>
           </a:p>
@@ -14354,7 +14364,7 @@
           <a:p>
             <a:fld id="{A325BC5C-9A76-BB46-9A49-9B3B3B449680}" type="datetimeFigureOut">
               <a:rPr lang="en-US" smtClean="0"/>
-              <a:t>10/6/16</a:t>
+              <a:t>14/6/16</a:t>
             </a:fld>
             <a:endParaRPr lang="en-US"/>
           </a:p>
@@ -15262,6 +15272,13 @@
   <p:clrMapOvr>
     <a:masterClrMapping/>
   </p:clrMapOvr>
+  <p:timing>
+    <p:tnLst>
+      <p:par>
+        <p:cTn xmlns:p14="http://schemas.microsoft.com/office/powerpoint/2010/main" id="1" dur="indefinite" restart="never" nodeType="tmRoot"/>
+      </p:par>
+    </p:tnLst>
+  </p:timing>
 </p:sld>
 </file>
 
@@ -15319,7 +15336,7 @@
           <p:nvPr>
             <p:extLst>
               <p:ext uri="{D42A27DB-BD31-4B8C-83A1-F6EECF244321}">
-                <p14:modId xmlns:p14="http://schemas.microsoft.com/office/powerpoint/2010/main" val="1775186726"/>
+                <p14:modId xmlns:p14="http://schemas.microsoft.com/office/powerpoint/2010/main" val="3865238073"/>
               </p:ext>
             </p:extLst>
           </p:nvPr>
@@ -15408,7 +15425,7 @@
           <p:nvPr>
             <p:extLst>
               <p:ext uri="{D42A27DB-BD31-4B8C-83A1-F6EECF244321}">
-                <p14:modId xmlns:p14="http://schemas.microsoft.com/office/powerpoint/2010/main" val="3347581361"/>
+                <p14:modId xmlns:p14="http://schemas.microsoft.com/office/powerpoint/2010/main" val="3795562542"/>
               </p:ext>
             </p:extLst>
           </p:nvPr>
@@ -15543,6 +15560,13 @@
   <p:clrMapOvr>
     <a:masterClrMapping/>
   </p:clrMapOvr>
+  <p:timing>
+    <p:tnLst>
+      <p:par>
+        <p:cTn xmlns:p14="http://schemas.microsoft.com/office/powerpoint/2010/main" id="1" dur="indefinite" restart="never" nodeType="tmRoot"/>
+      </p:par>
+    </p:tnLst>
+  </p:timing>
 </p:sld>
 </file>
 
@@ -15572,7 +15596,7 @@
           <p:nvPr>
             <p:extLst>
               <p:ext uri="{D42A27DB-BD31-4B8C-83A1-F6EECF244321}">
-                <p14:modId xmlns:p14="http://schemas.microsoft.com/office/powerpoint/2010/main" val="2780794257"/>
+                <p14:modId xmlns:p14="http://schemas.microsoft.com/office/powerpoint/2010/main" val="2719713292"/>
               </p:ext>
             </p:extLst>
           </p:nvPr>
@@ -15684,7 +15708,7 @@
           <p:nvPr>
             <p:extLst>
               <p:ext uri="{D42A27DB-BD31-4B8C-83A1-F6EECF244321}">
-                <p14:modId xmlns:p14="http://schemas.microsoft.com/office/powerpoint/2010/main" val="4272128597"/>
+                <p14:modId xmlns:p14="http://schemas.microsoft.com/office/powerpoint/2010/main" val="1706110320"/>
               </p:ext>
             </p:extLst>
           </p:nvPr>
@@ -15709,6 +15733,13 @@
   <p:clrMapOvr>
     <a:masterClrMapping/>
   </p:clrMapOvr>
+  <p:timing>
+    <p:tnLst>
+      <p:par>
+        <p:cTn xmlns:p14="http://schemas.microsoft.com/office/powerpoint/2010/main" id="1" dur="indefinite" restart="never" nodeType="tmRoot"/>
+      </p:par>
+    </p:tnLst>
+  </p:timing>
 </p:sld>
 </file>
 
@@ -15781,13 +15812,13 @@
           <p:nvPr>
             <p:extLst>
               <p:ext uri="{D42A27DB-BD31-4B8C-83A1-F6EECF244321}">
-                <p14:modId xmlns:p14="http://schemas.microsoft.com/office/powerpoint/2010/main" val="3362215730"/>
+                <p14:modId xmlns:p14="http://schemas.microsoft.com/office/powerpoint/2010/main" val="2302797692"/>
               </p:ext>
             </p:extLst>
           </p:nvPr>
         </p:nvGraphicFramePr>
         <p:xfrm>
-          <a:off x="1305341" y="1717538"/>
+          <a:off x="1305341" y="1476907"/>
           <a:ext cx="6756021" cy="4403944"/>
         </p:xfrm>
         <a:graphic>
@@ -15806,6 +15837,13 @@
   <p:clrMapOvr>
     <a:masterClrMapping/>
   </p:clrMapOvr>
+  <p:timing>
+    <p:tnLst>
+      <p:par>
+        <p:cTn xmlns:p14="http://schemas.microsoft.com/office/powerpoint/2010/main" id="1" dur="indefinite" restart="never" nodeType="tmRoot"/>
+      </p:par>
+    </p:tnLst>
+  </p:timing>
 </p:sld>
 </file>
 
@@ -15889,6 +15927,13 @@
   <p:clrMapOvr>
     <a:masterClrMapping/>
   </p:clrMapOvr>
+  <p:timing>
+    <p:tnLst>
+      <p:par>
+        <p:cTn xmlns:p14="http://schemas.microsoft.com/office/powerpoint/2010/main" id="1" dur="indefinite" restart="never" nodeType="tmRoot"/>
+      </p:par>
+    </p:tnLst>
+  </p:timing>
 </p:sld>
 </file>
 
@@ -16009,7 +16054,7 @@
           <p:nvPr>
             <p:extLst>
               <p:ext uri="{D42A27DB-BD31-4B8C-83A1-F6EECF244321}">
-                <p14:modId xmlns:p14="http://schemas.microsoft.com/office/powerpoint/2010/main" val="975998162"/>
+                <p14:modId xmlns:p14="http://schemas.microsoft.com/office/powerpoint/2010/main" val="3041288979"/>
               </p:ext>
             </p:extLst>
           </p:nvPr>
@@ -16156,7 +16201,7 @@
           <p:nvPr>
             <p:extLst>
               <p:ext uri="{D42A27DB-BD31-4B8C-83A1-F6EECF244321}">
-                <p14:modId xmlns:p14="http://schemas.microsoft.com/office/powerpoint/2010/main" val="3638731451"/>
+                <p14:modId xmlns:p14="http://schemas.microsoft.com/office/powerpoint/2010/main" val="833941760"/>
               </p:ext>
             </p:extLst>
           </p:nvPr>
@@ -16240,7 +16285,7 @@
           <p:nvPr>
             <p:extLst>
               <p:ext uri="{D42A27DB-BD31-4B8C-83A1-F6EECF244321}">
-                <p14:modId xmlns:p14="http://schemas.microsoft.com/office/powerpoint/2010/main" val="1054185735"/>
+                <p14:modId xmlns:p14="http://schemas.microsoft.com/office/powerpoint/2010/main" val="3718368201"/>
               </p:ext>
             </p:extLst>
           </p:nvPr>
@@ -16265,6 +16310,13 @@
   <p:clrMapOvr>
     <a:masterClrMapping/>
   </p:clrMapOvr>
+  <p:timing>
+    <p:tnLst>
+      <p:par>
+        <p:cTn xmlns:p14="http://schemas.microsoft.com/office/powerpoint/2010/main" id="1" dur="indefinite" restart="never" nodeType="tmRoot"/>
+      </p:par>
+    </p:tnLst>
+  </p:timing>
 </p:sld>
 </file>
 
@@ -16348,6 +16400,13 @@
   <p:clrMapOvr>
     <a:masterClrMapping/>
   </p:clrMapOvr>
+  <p:timing>
+    <p:tnLst>
+      <p:par>
+        <p:cTn xmlns:p14="http://schemas.microsoft.com/office/powerpoint/2010/main" id="1" dur="indefinite" restart="never" nodeType="tmRoot"/>
+      </p:par>
+    </p:tnLst>
+  </p:timing>
 </p:sld>
 </file>
 
@@ -16402,7 +16461,7 @@
           <p:nvPr>
             <p:extLst>
               <p:ext uri="{D42A27DB-BD31-4B8C-83A1-F6EECF244321}">
-                <p14:modId xmlns:p14="http://schemas.microsoft.com/office/powerpoint/2010/main" val="3585607181"/>
+                <p14:modId xmlns:p14="http://schemas.microsoft.com/office/powerpoint/2010/main" val="169836104"/>
               </p:ext>
             </p:extLst>
           </p:nvPr>
@@ -16427,6 +16486,13 @@
   <p:clrMapOvr>
     <a:masterClrMapping/>
   </p:clrMapOvr>
+  <p:timing>
+    <p:tnLst>
+      <p:par>
+        <p:cTn xmlns:p14="http://schemas.microsoft.com/office/powerpoint/2010/main" id="1" dur="indefinite" restart="never" nodeType="tmRoot"/>
+      </p:par>
+    </p:tnLst>
+  </p:timing>
 </p:sld>
 </file>
 
